--- a/TOR - PRESENTATION.pptx
+++ b/TOR - PRESENTATION.pptx
@@ -11,11 +11,12 @@
     <p:sldId id="258" r:id="rId5"/>
     <p:sldId id="259" r:id="rId6"/>
     <p:sldId id="264" r:id="rId7"/>
-    <p:sldId id="266" r:id="rId8"/>
-    <p:sldId id="269" r:id="rId9"/>
-    <p:sldId id="262" r:id="rId10"/>
-    <p:sldId id="271" r:id="rId11"/>
-    <p:sldId id="263" r:id="rId12"/>
+    <p:sldId id="272" r:id="rId8"/>
+    <p:sldId id="266" r:id="rId9"/>
+    <p:sldId id="269" r:id="rId10"/>
+    <p:sldId id="262" r:id="rId11"/>
+    <p:sldId id="271" r:id="rId12"/>
+    <p:sldId id="263" r:id="rId13"/>
   </p:sldIdLst>
   <p:sldSz cx="9144000" cy="5143500" type="screen16x9"/>
   <p:notesSz cx="6858000" cy="9144000"/>
@@ -3184,25 +3185,7 @@
                 </a:solidFill>
                 <a:latin typeface="OCR A Extended" pitchFamily="50" charset="0"/>
               </a:rPr>
-              <a:t> « </a:t>
-            </a:r>
-            <a:r>
-              <a:rPr lang="fr-FR" sz="1400" b="1" dirty="0" smtClean="0">
-                <a:solidFill>
-                  <a:srgbClr val="008000"/>
-                </a:solidFill>
-                <a:latin typeface="OCR A Extended" pitchFamily="50" charset="0"/>
-              </a:rPr>
-              <a:t>VOUS </a:t>
-            </a:r>
-            <a:r>
-              <a:rPr lang="fr-FR" sz="1400" b="1" dirty="0" smtClean="0">
-                <a:solidFill>
-                  <a:srgbClr val="008000"/>
-                </a:solidFill>
-                <a:latin typeface="OCR A Extended" pitchFamily="50" charset="0"/>
-              </a:rPr>
-              <a:t>PRESENTE » </a:t>
+              <a:t> « VOUS PRESENTE » </a:t>
             </a:r>
           </a:p>
         </p:txBody>
@@ -3345,6 +3328,247 @@
           </a:p>
         </p:txBody>
       </p:sp>
+      <p:grpSp>
+        <p:nvGrpSpPr>
+          <p:cNvPr id="10" name="Groupe 9"/>
+          <p:cNvGrpSpPr/>
+          <p:nvPr/>
+        </p:nvGrpSpPr>
+        <p:grpSpPr>
+          <a:xfrm>
+            <a:off x="2357422" y="1000114"/>
+            <a:ext cx="4143404" cy="2214578"/>
+            <a:chOff x="214282" y="833095"/>
+            <a:chExt cx="5786478" cy="2881663"/>
+          </a:xfrm>
+        </p:grpSpPr>
+        <p:sp>
+          <p:nvSpPr>
+            <p:cNvPr id="7" name="Rectangle 6"/>
+            <p:cNvSpPr/>
+            <p:nvPr/>
+          </p:nvSpPr>
+          <p:spPr>
+            <a:xfrm>
+              <a:off x="214282" y="833095"/>
+              <a:ext cx="5786478" cy="2881662"/>
+            </a:xfrm>
+            <a:prstGeom prst="rect">
+              <a:avLst/>
+            </a:prstGeom>
+            <a:solidFill>
+              <a:schemeClr val="bg1">
+                <a:lumMod val="95000"/>
+              </a:schemeClr>
+            </a:solidFill>
+            <a:ln w="12700">
+              <a:solidFill>
+                <a:srgbClr val="008000"/>
+              </a:solidFill>
+            </a:ln>
+          </p:spPr>
+          <p:style>
+            <a:lnRef idx="2">
+              <a:schemeClr val="accent1">
+                <a:shade val="50000"/>
+              </a:schemeClr>
+            </a:lnRef>
+            <a:fillRef idx="1">
+              <a:schemeClr val="accent1"/>
+            </a:fillRef>
+            <a:effectRef idx="0">
+              <a:schemeClr val="accent1"/>
+            </a:effectRef>
+            <a:fontRef idx="minor">
+              <a:schemeClr val="lt1"/>
+            </a:fontRef>
+          </p:style>
+          <p:txBody>
+            <a:bodyPr rtlCol="0" anchor="ctr"/>
+            <a:lstStyle/>
+            <a:p>
+              <a:pPr algn="ctr"/>
+              <a:endParaRPr lang="fr-FR"/>
+            </a:p>
+          </p:txBody>
+        </p:sp>
+        <p:pic>
+          <p:nvPicPr>
+            <p:cNvPr id="5122" name="Picture 2" descr="RÃ©sultat de recherche d'images pour &quot;faille informatique&quot;"/>
+            <p:cNvPicPr>
+              <a:picLocks noChangeAspect="1" noChangeArrowheads="1"/>
+            </p:cNvPicPr>
+            <p:nvPr/>
+          </p:nvPicPr>
+          <p:blipFill>
+            <a:blip r:embed="rId2">
+              <a:duotone>
+                <a:prstClr val="black"/>
+                <a:srgbClr val="14D000">
+                  <a:tint val="45000"/>
+                  <a:satMod val="400000"/>
+                </a:srgbClr>
+              </a:duotone>
+            </a:blip>
+            <a:srcRect/>
+            <a:stretch>
+              <a:fillRect/>
+            </a:stretch>
+          </p:blipFill>
+          <p:spPr bwMode="auto">
+            <a:xfrm>
+              <a:off x="214282" y="928676"/>
+              <a:ext cx="5764306" cy="2786082"/>
+            </a:xfrm>
+            <a:prstGeom prst="rect">
+              <a:avLst/>
+            </a:prstGeom>
+            <a:ln>
+              <a:noFill/>
+            </a:ln>
+            <a:effectLst>
+              <a:softEdge rad="112500"/>
+            </a:effectLst>
+          </p:spPr>
+        </p:pic>
+      </p:grpSp>
+      <p:pic>
+        <p:nvPicPr>
+          <p:cNvPr id="5124" name="Picture 4" descr="RÃ©sultat de recherche d'images pour &quot;javascript logo&quot;"/>
+          <p:cNvPicPr>
+            <a:picLocks noChangeAspect="1" noChangeArrowheads="1"/>
+          </p:cNvPicPr>
+          <p:nvPr/>
+        </p:nvPicPr>
+        <p:blipFill>
+          <a:blip r:embed="rId3"/>
+          <a:srcRect l="26495" r="26630"/>
+          <a:stretch>
+            <a:fillRect/>
+          </a:stretch>
+        </p:blipFill>
+        <p:spPr bwMode="auto">
+          <a:xfrm>
+            <a:off x="571472" y="1357304"/>
+            <a:ext cx="1033469" cy="1347994"/>
+          </a:xfrm>
+          <a:prstGeom prst="rect">
+            <a:avLst/>
+          </a:prstGeom>
+          <a:noFill/>
+        </p:spPr>
+      </p:pic>
+      <p:pic>
+        <p:nvPicPr>
+          <p:cNvPr id="5128" name="Picture 8" descr="Fichier:Seal of the U.S. National Security Agency.svg"/>
+          <p:cNvPicPr>
+            <a:picLocks noChangeAspect="1" noChangeArrowheads="1"/>
+          </p:cNvPicPr>
+          <p:nvPr/>
+        </p:nvPicPr>
+        <p:blipFill>
+          <a:blip r:embed="rId4" cstate="print"/>
+          <a:srcRect/>
+          <a:stretch>
+            <a:fillRect/>
+          </a:stretch>
+        </p:blipFill>
+        <p:spPr bwMode="auto">
+          <a:xfrm>
+            <a:off x="7215206" y="1500180"/>
+            <a:ext cx="1285884" cy="1285884"/>
+          </a:xfrm>
+          <a:prstGeom prst="rect">
+            <a:avLst/>
+          </a:prstGeom>
+          <a:noFill/>
+        </p:spPr>
+      </p:pic>
+      <p:pic>
+        <p:nvPicPr>
+          <p:cNvPr id="5130" name="Picture 10" descr="RÃ©sultat de recherche d'images pour &quot;GCHQ&quot;"/>
+          <p:cNvPicPr>
+            <a:picLocks noChangeAspect="1" noChangeArrowheads="1"/>
+          </p:cNvPicPr>
+          <p:nvPr/>
+        </p:nvPicPr>
+        <p:blipFill>
+          <a:blip r:embed="rId5"/>
+          <a:srcRect/>
+          <a:stretch>
+            <a:fillRect/>
+          </a:stretch>
+        </p:blipFill>
+        <p:spPr bwMode="auto">
+          <a:xfrm>
+            <a:off x="3143240" y="3357568"/>
+            <a:ext cx="2667000" cy="1238250"/>
+          </a:xfrm>
+          <a:prstGeom prst="rect">
+            <a:avLst/>
+          </a:prstGeom>
+          <a:noFill/>
+        </p:spPr>
+      </p:pic>
+    </p:spTree>
+  </p:cSld>
+  <p:clrMapOvr>
+    <a:masterClrMapping/>
+  </p:clrMapOvr>
+</p:sld>
+</file>
+
+<file path=ppt/slides/slide11.xml><?xml version="1.0" encoding="utf-8"?>
+<p:sld xmlns:a="http://schemas.openxmlformats.org/drawingml/2006/main" xmlns:r="http://schemas.openxmlformats.org/officeDocument/2006/relationships" xmlns:p="http://schemas.openxmlformats.org/presentationml/2006/main">
+  <p:cSld>
+    <p:spTree>
+      <p:nvGrpSpPr>
+        <p:cNvPr id="1" name=""/>
+        <p:cNvGrpSpPr/>
+        <p:nvPr/>
+      </p:nvGrpSpPr>
+      <p:grpSpPr>
+        <a:xfrm>
+          <a:off x="0" y="0"/>
+          <a:ext cx="0" cy="0"/>
+          <a:chOff x="0" y="0"/>
+          <a:chExt cx="0" cy="0"/>
+        </a:xfrm>
+      </p:grpSpPr>
+      <p:sp>
+        <p:nvSpPr>
+          <p:cNvPr id="2" name="ZoneTexte 1"/>
+          <p:cNvSpPr txBox="1"/>
+          <p:nvPr/>
+        </p:nvSpPr>
+        <p:spPr>
+          <a:xfrm>
+            <a:off x="214282" y="71421"/>
+            <a:ext cx="4786346" cy="369332"/>
+          </a:xfrm>
+          <a:prstGeom prst="rect">
+            <a:avLst/>
+          </a:prstGeom>
+          <a:noFill/>
+        </p:spPr>
+        <p:txBody>
+          <a:bodyPr wrap="square" rtlCol="0">
+            <a:spAutoFit/>
+          </a:bodyPr>
+          <a:lstStyle/>
+          <a:p>
+            <a:r>
+              <a:rPr lang="fr-FR" dirty="0" smtClean="0">
+                <a:solidFill>
+                  <a:srgbClr val="008000"/>
+                </a:solidFill>
+                <a:latin typeface="OCR A Extended" pitchFamily="50" charset="0"/>
+              </a:rPr>
+              <a:t>/ SES FAILLES</a:t>
+            </a:r>
+          </a:p>
+        </p:txBody>
+      </p:sp>
       <p:pic>
         <p:nvPicPr>
           <p:cNvPr id="25602" name="Picture 2" descr="Image associÃ©e"/>
@@ -3413,6 +3637,8 @@
               </a:rPr>
               <a:t>&gt;&gt; ATTAQUE DE TIME PATTERN</a:t>
             </a:r>
+          </a:p>
+          <a:p>
             <a:endParaRPr lang="fr-FR" sz="1200" dirty="0" smtClean="0">
               <a:solidFill>
                 <a:srgbClr val="008000"/>
@@ -3421,6 +3647,46 @@
             </a:endParaRPr>
           </a:p>
           <a:p>
+            <a:r>
+              <a:rPr lang="fr-FR" sz="1400" dirty="0" smtClean="0"/>
+              <a:t>	</a:t>
+            </a:r>
+          </a:p>
+        </p:txBody>
+      </p:sp>
+      <p:sp>
+        <p:nvSpPr>
+          <p:cNvPr id="11" name="ZoneTexte 10"/>
+          <p:cNvSpPr txBox="1"/>
+          <p:nvPr/>
+        </p:nvSpPr>
+        <p:spPr>
+          <a:xfrm>
+            <a:off x="3643306" y="1214428"/>
+            <a:ext cx="4929222" cy="2154436"/>
+          </a:xfrm>
+          <a:prstGeom prst="rect">
+            <a:avLst/>
+          </a:prstGeom>
+          <a:noFill/>
+        </p:spPr>
+        <p:txBody>
+          <a:bodyPr wrap="square" rtlCol="0">
+            <a:spAutoFit/>
+          </a:bodyPr>
+          <a:lstStyle/>
+          <a:p>
+            <a:r>
+              <a:rPr lang="fr-FR" sz="1200" dirty="0" smtClean="0">
+                <a:solidFill>
+                  <a:srgbClr val="008000"/>
+                </a:solidFill>
+                <a:latin typeface="OCR A Extended" pitchFamily="50" charset="0"/>
+              </a:rPr>
+              <a:t>&gt;&gt; Ecouter les nœuds d’entrée et de sortie</a:t>
+            </a:r>
+          </a:p>
+          <a:p>
             <a:endParaRPr lang="fr-FR" sz="1200" dirty="0" smtClean="0">
               <a:solidFill>
                 <a:srgbClr val="008000"/>
@@ -3430,61 +3696,16 @@
           </a:p>
           <a:p>
             <a:r>
-              <a:rPr lang="fr-FR" sz="1400" dirty="0" smtClean="0"/>
-              <a:t>	</a:t>
-            </a:r>
-          </a:p>
-        </p:txBody>
-      </p:sp>
-      <p:sp>
-        <p:nvSpPr>
-          <p:cNvPr id="11" name="ZoneTexte 10"/>
-          <p:cNvSpPr txBox="1"/>
-          <p:nvPr/>
-        </p:nvSpPr>
-        <p:spPr>
-          <a:xfrm>
-            <a:off x="3643306" y="1214428"/>
-            <a:ext cx="4929222" cy="2154436"/>
-          </a:xfrm>
-          <a:prstGeom prst="rect">
-            <a:avLst/>
-          </a:prstGeom>
-          <a:noFill/>
-        </p:spPr>
-        <p:txBody>
-          <a:bodyPr wrap="square" rtlCol="0">
-            <a:spAutoFit/>
-          </a:bodyPr>
-          <a:lstStyle/>
-          <a:p>
-            <a:r>
               <a:rPr lang="fr-FR" sz="1200" dirty="0" smtClean="0">
                 <a:solidFill>
                   <a:srgbClr val="008000"/>
                 </a:solidFill>
                 <a:latin typeface="OCR A Extended" pitchFamily="50" charset="0"/>
               </a:rPr>
-              <a:t>&gt;&gt; Ecouter </a:t>
-            </a:r>
-            <a:r>
-              <a:rPr lang="fr-FR" sz="1200" dirty="0" smtClean="0">
-                <a:solidFill>
-                  <a:srgbClr val="008000"/>
-                </a:solidFill>
-                <a:latin typeface="OCR A Extended" pitchFamily="50" charset="0"/>
-              </a:rPr>
-              <a:t>les nœuds d’entrée et de </a:t>
-            </a:r>
-            <a:r>
-              <a:rPr lang="fr-FR" sz="1200" dirty="0" smtClean="0">
-                <a:solidFill>
-                  <a:srgbClr val="008000"/>
-                </a:solidFill>
-                <a:latin typeface="OCR A Extended" pitchFamily="50" charset="0"/>
-              </a:rPr>
-              <a:t>sortie</a:t>
-            </a:r>
+              <a:t>&gt;&gt; Chances d’écoute peut être augmentées si le pirate donne lui-même un motif temporel au flux, en inondant un nœud et en ralentissant donc le temps de traitement de la machine. </a:t>
+            </a:r>
+          </a:p>
+          <a:p>
             <a:endParaRPr lang="fr-FR" sz="1200" dirty="0" smtClean="0">
               <a:solidFill>
                 <a:srgbClr val="008000"/>
@@ -3493,14 +3714,6 @@
             </a:endParaRPr>
           </a:p>
           <a:p>
-            <a:endParaRPr lang="fr-FR" sz="1200" dirty="0" smtClean="0">
-              <a:solidFill>
-                <a:srgbClr val="008000"/>
-              </a:solidFill>
-              <a:latin typeface="OCR A Extended" pitchFamily="50" charset="0"/>
-            </a:endParaRPr>
-          </a:p>
-          <a:p>
             <a:r>
               <a:rPr lang="fr-FR" sz="1200" dirty="0" smtClean="0">
                 <a:solidFill>
@@ -3508,66 +3721,8 @@
                 </a:solidFill>
                 <a:latin typeface="OCR A Extended" pitchFamily="50" charset="0"/>
               </a:rPr>
-              <a:t>&gt;&gt; Chances </a:t>
-            </a:r>
-            <a:r>
-              <a:rPr lang="fr-FR" sz="1200" dirty="0" smtClean="0">
-                <a:solidFill>
-                  <a:srgbClr val="008000"/>
-                </a:solidFill>
-                <a:latin typeface="OCR A Extended" pitchFamily="50" charset="0"/>
-              </a:rPr>
-              <a:t>d’écoute peut être augmentées si le pirate donne lui-même un motif temporel au flux, en inondant un nœud et en ralentissant donc le temps de traitement de la machine. </a:t>
-            </a:r>
-            <a:endParaRPr lang="fr-FR" sz="1200" dirty="0" smtClean="0">
-              <a:solidFill>
-                <a:srgbClr val="008000"/>
-              </a:solidFill>
-              <a:latin typeface="OCR A Extended" pitchFamily="50" charset="0"/>
-            </a:endParaRPr>
-          </a:p>
-          <a:p>
-            <a:endParaRPr lang="fr-FR" sz="1200" dirty="0" smtClean="0">
-              <a:solidFill>
-                <a:srgbClr val="008000"/>
-              </a:solidFill>
-              <a:latin typeface="OCR A Extended" pitchFamily="50" charset="0"/>
-            </a:endParaRPr>
-          </a:p>
-          <a:p>
-            <a:r>
-              <a:rPr lang="fr-FR" sz="1200" dirty="0" smtClean="0">
-                <a:solidFill>
-                  <a:srgbClr val="008000"/>
-                </a:solidFill>
-                <a:latin typeface="OCR A Extended" pitchFamily="50" charset="0"/>
-              </a:rPr>
-              <a:t>&gt;&gt; Une </a:t>
-            </a:r>
-            <a:r>
-              <a:rPr lang="fr-FR" sz="1200" dirty="0" smtClean="0">
-                <a:solidFill>
-                  <a:srgbClr val="008000"/>
-                </a:solidFill>
-                <a:latin typeface="OCR A Extended" pitchFamily="50" charset="0"/>
-              </a:rPr>
-              <a:t>signature temporelle sera donc associée aux paquets qui traversent le </a:t>
-            </a:r>
-            <a:r>
-              <a:rPr lang="fr-FR" sz="1200" dirty="0" smtClean="0">
-                <a:solidFill>
-                  <a:srgbClr val="008000"/>
-                </a:solidFill>
-                <a:latin typeface="OCR A Extended" pitchFamily="50" charset="0"/>
-              </a:rPr>
-              <a:t>nœud</a:t>
-            </a:r>
-            <a:endParaRPr lang="fr-FR" sz="1200" dirty="0" smtClean="0">
-              <a:solidFill>
-                <a:srgbClr val="008000"/>
-              </a:solidFill>
-              <a:latin typeface="OCR A Extended" pitchFamily="50" charset="0"/>
-            </a:endParaRPr>
+              <a:t>&gt;&gt; Une signature temporelle sera donc associée aux paquets qui traversent le nœud</a:t>
+            </a:r>
           </a:p>
           <a:p>
             <a:endParaRPr lang="fr-FR" sz="1200" dirty="0" smtClean="0">
@@ -3593,7 +3748,7 @@
 </p:sld>
 </file>
 
-<file path=ppt/slides/slide11.xml><?xml version="1.0" encoding="utf-8"?>
+<file path=ppt/slides/slide12.xml><?xml version="1.0" encoding="utf-8"?>
 <p:sld xmlns:a="http://schemas.openxmlformats.org/drawingml/2006/main" xmlns:r="http://schemas.openxmlformats.org/officeDocument/2006/relationships" xmlns:p="http://schemas.openxmlformats.org/presentationml/2006/main">
   <p:cSld>
     <p:spTree>
@@ -5922,16 +6077,7 @@
                   </a:solidFill>
                   <a:latin typeface="OCR A Extended" pitchFamily="50" charset="0"/>
                 </a:rPr>
-                <a:t>&gt;&gt; Permet d’échapper aux autorités de </a:t>
-              </a:r>
-              <a:r>
-                <a:rPr lang="fr-FR" sz="1400" b="1" dirty="0" smtClean="0">
-                  <a:solidFill>
-                    <a:srgbClr val="008000"/>
-                  </a:solidFill>
-                  <a:latin typeface="OCR A Extended" pitchFamily="50" charset="0"/>
-                </a:rPr>
-                <a:t>certification</a:t>
+                <a:t>&gt;&gt; Permet d’échapper aux autorités de certification</a:t>
               </a:r>
             </a:p>
             <a:p>
@@ -5950,16 +6096,7 @@
                   </a:solidFill>
                   <a:latin typeface="OCR A Extended" pitchFamily="50" charset="0"/>
                 </a:rPr>
-                <a:t>&gt;&gt; L’identité du propriétaire du site reste donc </a:t>
-              </a:r>
-              <a:r>
-                <a:rPr lang="fr-FR" sz="1400" b="1" dirty="0" smtClean="0">
-                  <a:solidFill>
-                    <a:srgbClr val="008000"/>
-                  </a:solidFill>
-                  <a:latin typeface="OCR A Extended" pitchFamily="50" charset="0"/>
-                </a:rPr>
-                <a:t>anonyme</a:t>
+                <a:t>&gt;&gt; L’identité du propriétaire du site reste donc anonyme</a:t>
               </a:r>
             </a:p>
             <a:p>
@@ -5978,25 +6115,7 @@
                   </a:solidFill>
                   <a:latin typeface="OCR A Extended" pitchFamily="50" charset="0"/>
                 </a:rPr>
-                <a:t>&gt;&gt; En </a:t>
-              </a:r>
-              <a:r>
-                <a:rPr lang="fr-FR" sz="1400" b="1" dirty="0" smtClean="0">
-                  <a:solidFill>
-                    <a:srgbClr val="008000"/>
-                  </a:solidFill>
-                  <a:latin typeface="OCR A Extended" pitchFamily="50" charset="0"/>
-                </a:rPr>
-                <a:t>passant par des proxys grâce à TOR, la censure peut être contournée. Cependant le pays peut interdire l’accès aux relais TOR présents dans la liste </a:t>
-              </a:r>
-              <a:r>
-                <a:rPr lang="fr-FR" sz="1400" b="1" dirty="0" smtClean="0">
-                  <a:solidFill>
-                    <a:srgbClr val="008000"/>
-                  </a:solidFill>
-                  <a:latin typeface="OCR A Extended" pitchFamily="50" charset="0"/>
-                </a:rPr>
-                <a:t>publique</a:t>
+                <a:t>&gt;&gt; En passant par des proxys grâce à TOR, la censure peut être contournée. Cependant le pays peut interdire l’accès aux relais TOR présents dans la liste publique</a:t>
               </a:r>
             </a:p>
             <a:p>
@@ -6135,6 +6254,302 @@
       </p:sp>
       <p:sp>
         <p:nvSpPr>
+          <p:cNvPr id="19" name="ZoneTexte 18"/>
+          <p:cNvSpPr txBox="1"/>
+          <p:nvPr/>
+        </p:nvSpPr>
+        <p:spPr>
+          <a:xfrm>
+            <a:off x="142844" y="571486"/>
+            <a:ext cx="9072626" cy="2123658"/>
+          </a:xfrm>
+          <a:prstGeom prst="rect">
+            <a:avLst/>
+          </a:prstGeom>
+          <a:noFill/>
+        </p:spPr>
+        <p:txBody>
+          <a:bodyPr wrap="square" rtlCol="0">
+            <a:spAutoFit/>
+          </a:bodyPr>
+          <a:lstStyle/>
+          <a:p>
+            <a:r>
+              <a:rPr lang="fr-FR" sz="1200" b="1" dirty="0" smtClean="0">
+                <a:solidFill>
+                  <a:srgbClr val="008000"/>
+                </a:solidFill>
+                <a:latin typeface="OCR A Extended" pitchFamily="50" charset="0"/>
+              </a:rPr>
+              <a:t>Cryptographie hybrides</a:t>
+            </a:r>
+          </a:p>
+          <a:p>
+            <a:endParaRPr lang="fr-FR" sz="1200" dirty="0" smtClean="0">
+              <a:solidFill>
+                <a:srgbClr val="008000"/>
+              </a:solidFill>
+              <a:latin typeface="OCR A Extended" pitchFamily="50" charset="0"/>
+            </a:endParaRPr>
+          </a:p>
+          <a:p>
+            <a:r>
+              <a:rPr lang="fr-FR" sz="1200" dirty="0" smtClean="0">
+                <a:solidFill>
+                  <a:srgbClr val="008000"/>
+                </a:solidFill>
+                <a:latin typeface="OCR A Extended" pitchFamily="50" charset="0"/>
+              </a:rPr>
+              <a:t> </a:t>
+            </a:r>
+            <a:r>
+              <a:rPr lang="fr-FR" sz="1200" dirty="0" smtClean="0">
+                <a:solidFill>
+                  <a:srgbClr val="008000"/>
+                </a:solidFill>
+                <a:latin typeface="OCR A Extended" pitchFamily="50" charset="0"/>
+              </a:rPr>
+              <a:t>&gt;&gt; Tor transmet de manière anonyme des flux TCP grâce à une cryptologie hybride.</a:t>
+            </a:r>
+          </a:p>
+          <a:p>
+            <a:r>
+              <a:rPr lang="fr-FR" sz="1200" dirty="0" smtClean="0">
+                <a:solidFill>
+                  <a:srgbClr val="008000"/>
+                </a:solidFill>
+                <a:latin typeface="OCR A Extended" pitchFamily="50" charset="0"/>
+              </a:rPr>
+              <a:t> &gt;&gt; Associe </a:t>
+            </a:r>
+            <a:r>
+              <a:rPr lang="fr-FR" sz="1200" dirty="0" smtClean="0">
+                <a:solidFill>
+                  <a:srgbClr val="008000"/>
+                </a:solidFill>
+                <a:latin typeface="OCR A Extended" pitchFamily="50" charset="0"/>
+              </a:rPr>
+              <a:t>la cryptographie asymétrique à la cryptographie </a:t>
+            </a:r>
+            <a:r>
+              <a:rPr lang="fr-FR" sz="1200" dirty="0" smtClean="0">
+                <a:solidFill>
+                  <a:srgbClr val="008000"/>
+                </a:solidFill>
+                <a:latin typeface="OCR A Extended" pitchFamily="50" charset="0"/>
+              </a:rPr>
+              <a:t>symétrique</a:t>
+            </a:r>
+            <a:r>
+              <a:rPr lang="fr-FR" sz="1200" dirty="0" smtClean="0">
+                <a:solidFill>
+                  <a:srgbClr val="008000"/>
+                </a:solidFill>
+                <a:latin typeface="OCR A Extended" pitchFamily="50" charset="0"/>
+              </a:rPr>
+              <a:t>	</a:t>
+            </a:r>
+          </a:p>
+          <a:p>
+            <a:r>
+              <a:rPr lang="fr-FR" sz="1200" dirty="0" smtClean="0">
+                <a:solidFill>
+                  <a:srgbClr val="008000"/>
+                </a:solidFill>
+                <a:latin typeface="OCR A Extended" pitchFamily="50" charset="0"/>
+              </a:rPr>
+              <a:t>    → </a:t>
+            </a:r>
+            <a:r>
+              <a:rPr lang="fr-FR" sz="1200" dirty="0" smtClean="0">
+                <a:solidFill>
+                  <a:srgbClr val="008000"/>
+                </a:solidFill>
+                <a:latin typeface="OCR A Extended" pitchFamily="50" charset="0"/>
+              </a:rPr>
+              <a:t>On chiffre le message avec une clé aléatoire par chiffrement symétrique</a:t>
+            </a:r>
+          </a:p>
+          <a:p>
+            <a:r>
+              <a:rPr lang="fr-FR" sz="1200" dirty="0" smtClean="0">
+                <a:solidFill>
+                  <a:srgbClr val="008000"/>
+                </a:solidFill>
+                <a:latin typeface="OCR A Extended" pitchFamily="50" charset="0"/>
+              </a:rPr>
+              <a:t>    → </a:t>
+            </a:r>
+            <a:r>
+              <a:rPr lang="fr-FR" sz="1200" dirty="0" smtClean="0">
+                <a:solidFill>
+                  <a:srgbClr val="008000"/>
+                </a:solidFill>
+                <a:latin typeface="OCR A Extended" pitchFamily="50" charset="0"/>
+              </a:rPr>
+              <a:t>on effectue un chiffrement asymétrique sur la clé aléatoire avec clé publique / clé </a:t>
+            </a:r>
+            <a:r>
+              <a:rPr lang="fr-FR" sz="1200" dirty="0" smtClean="0">
+                <a:solidFill>
+                  <a:srgbClr val="008000"/>
+                </a:solidFill>
+                <a:latin typeface="OCR A Extended" pitchFamily="50" charset="0"/>
+              </a:rPr>
+              <a:t>privée</a:t>
+            </a:r>
+            <a:endParaRPr lang="fr-FR" sz="1200" dirty="0" smtClean="0">
+              <a:solidFill>
+                <a:srgbClr val="008000"/>
+              </a:solidFill>
+              <a:latin typeface="OCR A Extended" pitchFamily="50" charset="0"/>
+            </a:endParaRPr>
+          </a:p>
+          <a:p>
+            <a:endParaRPr lang="fr-FR" sz="1200" dirty="0" smtClean="0">
+              <a:solidFill>
+                <a:srgbClr val="008000"/>
+              </a:solidFill>
+              <a:latin typeface="OCR A Extended" pitchFamily="50" charset="0"/>
+            </a:endParaRPr>
+          </a:p>
+          <a:p>
+            <a:r>
+              <a:rPr lang="fr-FR" sz="1200" b="1" i="1" dirty="0" smtClean="0">
+                <a:solidFill>
+                  <a:srgbClr val="008000"/>
+                </a:solidFill>
+                <a:latin typeface="OCR A Extended" pitchFamily="50" charset="0"/>
+              </a:rPr>
+              <a:t>Chaque nœud du circuit dispose d'une clef secrète qui lui est propre et ne connaît que son prédécesseur et son </a:t>
+            </a:r>
+            <a:r>
+              <a:rPr lang="fr-FR" sz="1200" b="1" i="1" dirty="0" smtClean="0">
+                <a:solidFill>
+                  <a:srgbClr val="008000"/>
+                </a:solidFill>
+                <a:latin typeface="OCR A Extended" pitchFamily="50" charset="0"/>
+              </a:rPr>
+              <a:t>successeur au sein du circuit.  </a:t>
+            </a:r>
+          </a:p>
+          <a:p>
+            <a:r>
+              <a:rPr lang="fr-FR" sz="1200" dirty="0" smtClean="0">
+                <a:solidFill>
+                  <a:srgbClr val="008000"/>
+                </a:solidFill>
+                <a:latin typeface="OCR A Extended" pitchFamily="50" charset="0"/>
+              </a:rPr>
+              <a:t/>
+            </a:r>
+            <a:br>
+              <a:rPr lang="fr-FR" sz="1200" dirty="0" smtClean="0">
+                <a:solidFill>
+                  <a:srgbClr val="008000"/>
+                </a:solidFill>
+                <a:latin typeface="OCR A Extended" pitchFamily="50" charset="0"/>
+              </a:rPr>
+            </a:br>
+            <a:r>
+              <a:rPr lang="fr-FR" sz="1200" dirty="0" smtClean="0">
+                <a:solidFill>
+                  <a:srgbClr val="008000"/>
+                </a:solidFill>
+                <a:latin typeface="OCR A Extended" pitchFamily="50" charset="0"/>
+              </a:rPr>
+              <a:t> 	</a:t>
+            </a:r>
+          </a:p>
+        </p:txBody>
+      </p:sp>
+      <p:pic>
+        <p:nvPicPr>
+          <p:cNvPr id="1026" name="Picture 2" descr="RÃ©sultat de recherche d'images pour &quot;cryptographie hybride tor&quot;"/>
+          <p:cNvPicPr>
+            <a:picLocks noChangeAspect="1" noChangeArrowheads="1"/>
+          </p:cNvPicPr>
+          <p:nvPr/>
+        </p:nvPicPr>
+        <p:blipFill>
+          <a:blip r:embed="rId2"/>
+          <a:srcRect/>
+          <a:stretch>
+            <a:fillRect/>
+          </a:stretch>
+        </p:blipFill>
+        <p:spPr bwMode="auto">
+          <a:xfrm>
+            <a:off x="2357422" y="2571750"/>
+            <a:ext cx="4286280" cy="2401652"/>
+          </a:xfrm>
+          <a:prstGeom prst="rect">
+            <a:avLst/>
+          </a:prstGeom>
+          <a:noFill/>
+        </p:spPr>
+      </p:pic>
+    </p:spTree>
+  </p:cSld>
+  <p:clrMapOvr>
+    <a:masterClrMapping/>
+  </p:clrMapOvr>
+</p:sld>
+</file>
+
+<file path=ppt/slides/slide8.xml><?xml version="1.0" encoding="utf-8"?>
+<p:sld xmlns:a="http://schemas.openxmlformats.org/drawingml/2006/main" xmlns:r="http://schemas.openxmlformats.org/officeDocument/2006/relationships" xmlns:p="http://schemas.openxmlformats.org/presentationml/2006/main">
+  <p:cSld>
+    <p:spTree>
+      <p:nvGrpSpPr>
+        <p:cNvPr id="1" name=""/>
+        <p:cNvGrpSpPr/>
+        <p:nvPr/>
+      </p:nvGrpSpPr>
+      <p:grpSpPr>
+        <a:xfrm>
+          <a:off x="0" y="0"/>
+          <a:ext cx="0" cy="0"/>
+          <a:chOff x="0" y="0"/>
+          <a:chExt cx="0" cy="0"/>
+        </a:xfrm>
+      </p:grpSpPr>
+      <p:sp>
+        <p:nvSpPr>
+          <p:cNvPr id="2" name="ZoneTexte 1"/>
+          <p:cNvSpPr txBox="1"/>
+          <p:nvPr/>
+        </p:nvSpPr>
+        <p:spPr>
+          <a:xfrm>
+            <a:off x="214282" y="71421"/>
+            <a:ext cx="4786346" cy="369332"/>
+          </a:xfrm>
+          <a:prstGeom prst="rect">
+            <a:avLst/>
+          </a:prstGeom>
+          <a:noFill/>
+        </p:spPr>
+        <p:txBody>
+          <a:bodyPr wrap="square" rtlCol="0">
+            <a:spAutoFit/>
+          </a:bodyPr>
+          <a:lstStyle/>
+          <a:p>
+            <a:r>
+              <a:rPr lang="fr-FR" dirty="0" smtClean="0">
+                <a:solidFill>
+                  <a:srgbClr val="008000"/>
+                </a:solidFill>
+                <a:latin typeface="OCR A Extended" pitchFamily="50" charset="0"/>
+              </a:rPr>
+              <a:t>/ DEROULEMENT D’UNE CONNEXION</a:t>
+            </a:r>
+          </a:p>
+        </p:txBody>
+      </p:sp>
+      <p:sp>
+        <p:nvSpPr>
           <p:cNvPr id="4" name="Rectangle 3"/>
           <p:cNvSpPr/>
           <p:nvPr/>
@@ -6222,25 +6637,7 @@
                 </a:solidFill>
                 <a:latin typeface="OCR A Extended" pitchFamily="50" charset="0"/>
               </a:rPr>
-              <a:t>C</a:t>
-            </a:r>
-            <a:r>
-              <a:rPr lang="fr-FR" sz="1200" dirty="0" smtClean="0">
-                <a:solidFill>
-                  <a:srgbClr val="008000"/>
-                </a:solidFill>
-                <a:latin typeface="OCR A Extended" pitchFamily="50" charset="0"/>
-              </a:rPr>
-              <a:t>lient </a:t>
-            </a:r>
-            <a:r>
-              <a:rPr lang="fr-FR" sz="1200" dirty="0" smtClean="0">
-                <a:solidFill>
-                  <a:srgbClr val="008000"/>
-                </a:solidFill>
-                <a:latin typeface="OCR A Extended" pitchFamily="50" charset="0"/>
-              </a:rPr>
-              <a:t>chiffre son paquet TCP avec clef publique du dernier nœud n</a:t>
+              <a:t>Client chiffre son paquet TCP avec clef publique du dernier nœud n</a:t>
             </a:r>
           </a:p>
           <a:p>
@@ -6280,25 +6677,7 @@
                 </a:solidFill>
                 <a:latin typeface="OCR A Extended" pitchFamily="50" charset="0"/>
               </a:rPr>
-              <a:t>Paquet </a:t>
-            </a:r>
-            <a:r>
-              <a:rPr lang="fr-FR" sz="1200" dirty="0" smtClean="0">
-                <a:solidFill>
-                  <a:srgbClr val="008000"/>
-                </a:solidFill>
-                <a:latin typeface="OCR A Extended" pitchFamily="50" charset="0"/>
-              </a:rPr>
-              <a:t>TCP chiffré avec clef publique de l’avant-dernier nœud n-1 </a:t>
-            </a:r>
-            <a:r>
-              <a:rPr lang="fr-FR" sz="1200" dirty="0" smtClean="0">
-                <a:solidFill>
-                  <a:srgbClr val="008000"/>
-                </a:solidFill>
-                <a:latin typeface="OCR A Extended" pitchFamily="50" charset="0"/>
-              </a:rPr>
-              <a:t>	</a:t>
+              <a:t>Paquet TCP chiffré avec clef publique de l’avant-dernier nœud n-1 	</a:t>
             </a:r>
           </a:p>
         </p:txBody>
@@ -6491,34 +6870,7 @@
                 </a:solidFill>
                 <a:latin typeface="OCR A Extended" pitchFamily="50" charset="0"/>
               </a:rPr>
-              <a:t>&gt;&gt; Pour </a:t>
-            </a:r>
-            <a:r>
-              <a:rPr lang="fr-FR" sz="1200" dirty="0" smtClean="0">
-                <a:solidFill>
-                  <a:srgbClr val="008000"/>
-                </a:solidFill>
-                <a:latin typeface="OCR A Extended" pitchFamily="50" charset="0"/>
-              </a:rPr>
-              <a:t>acheminer un </a:t>
-            </a:r>
-            <a:r>
-              <a:rPr lang="fr-FR" sz="1200" dirty="0" smtClean="0">
-                <a:solidFill>
-                  <a:srgbClr val="008000"/>
-                </a:solidFill>
-                <a:latin typeface="OCR A Extended" pitchFamily="50" charset="0"/>
-              </a:rPr>
-              <a:t>paquet</a:t>
-            </a:r>
-            <a:r>
-              <a:rPr lang="fr-FR" sz="1200" dirty="0" smtClean="0">
-                <a:solidFill>
-                  <a:srgbClr val="008000"/>
-                </a:solidFill>
-                <a:latin typeface="OCR A Extended" pitchFamily="50" charset="0"/>
-              </a:rPr>
-              <a:t> au serveur, le client doit chiffrer son paquet de nombreuses fois :</a:t>
+              <a:t>&gt;&gt; Pour acheminer un paquet au serveur, le client doit chiffrer son paquet de nombreuses fois :</a:t>
             </a:r>
           </a:p>
           <a:p>
@@ -6531,13 +6883,8 @@
             </a:br>
             <a:r>
               <a:rPr lang="fr-FR" sz="1400" dirty="0" smtClean="0"/>
-              <a:t> </a:t>
-            </a:r>
-            <a:r>
-              <a:rPr lang="fr-FR" sz="1400" dirty="0" smtClean="0"/>
-              <a:t>	</a:t>
-            </a:r>
-            <a:endParaRPr lang="fr-FR" sz="1400" dirty="0" smtClean="0"/>
+              <a:t> 	</a:t>
+            </a:r>
           </a:p>
         </p:txBody>
       </p:sp>
@@ -6630,34 +6977,7 @@
                 </a:solidFill>
                 <a:latin typeface="OCR A Extended" pitchFamily="50" charset="0"/>
               </a:rPr>
-              <a:t>C</a:t>
-            </a:r>
-            <a:r>
-              <a:rPr lang="fr-FR" sz="1200" dirty="0" smtClean="0">
-                <a:solidFill>
-                  <a:srgbClr val="008000"/>
-                </a:solidFill>
-                <a:latin typeface="OCR A Extended" pitchFamily="50" charset="0"/>
-              </a:rPr>
-              <a:t>lient </a:t>
-            </a:r>
-            <a:r>
-              <a:rPr lang="fr-FR" sz="1200" dirty="0" smtClean="0">
-                <a:solidFill>
-                  <a:srgbClr val="008000"/>
-                </a:solidFill>
-                <a:latin typeface="OCR A Extended" pitchFamily="50" charset="0"/>
-              </a:rPr>
-              <a:t>chiffre son paquet TCP avec clef publique du dernier nœud </a:t>
-            </a:r>
-            <a:r>
-              <a:rPr lang="fr-FR" sz="1200" dirty="0" smtClean="0">
-                <a:solidFill>
-                  <a:srgbClr val="008000"/>
-                </a:solidFill>
-                <a:latin typeface="OCR A Extended" pitchFamily="50" charset="0"/>
-              </a:rPr>
-              <a:t>n-2</a:t>
+              <a:t>Client chiffre son paquet TCP avec clef publique du dernier nœud n-2</a:t>
             </a:r>
           </a:p>
           <a:p>
@@ -6775,12 +7095,6 @@
               </a:rPr>
               <a:t>La dernière fois paquet TCP chiffré avec la clef publique du premier nœud</a:t>
             </a:r>
-            <a:endParaRPr lang="fr-FR" sz="1200" dirty="0" smtClean="0">
-              <a:solidFill>
-                <a:srgbClr val="008000"/>
-              </a:solidFill>
-              <a:latin typeface="OCR A Extended" pitchFamily="50" charset="0"/>
-            </a:endParaRPr>
           </a:p>
         </p:txBody>
       </p:sp>
@@ -6792,7 +7106,7 @@
 </p:sld>
 </file>
 
-<file path=ppt/slides/slide8.xml><?xml version="1.0" encoding="utf-8"?>
+<file path=ppt/slides/slide9.xml><?xml version="1.0" encoding="utf-8"?>
 <p:sld xmlns:a="http://schemas.openxmlformats.org/drawingml/2006/main" xmlns:r="http://schemas.openxmlformats.org/officeDocument/2006/relationships" xmlns:p="http://schemas.openxmlformats.org/presentationml/2006/main">
   <p:cSld>
     <p:spTree>
@@ -6932,16 +7246,7 @@
                 </a:solidFill>
                 <a:latin typeface="OCR A Extended" pitchFamily="50" charset="0"/>
               </a:rPr>
-              <a:t>Le premier relai déchiffre le paquet avec sa clé numérotée 1 </a:t>
-            </a:r>
-            <a:r>
-              <a:rPr lang="fr-FR" sz="1200" dirty="0" smtClean="0">
-                <a:solidFill>
-                  <a:srgbClr val="008000"/>
-                </a:solidFill>
-                <a:latin typeface="OCR A Extended" pitchFamily="50" charset="0"/>
-              </a:rPr>
-              <a:t>	</a:t>
+              <a:t>Le premier relai déchiffre le paquet avec sa clé numérotée 1 	</a:t>
             </a:r>
           </a:p>
         </p:txBody>
@@ -6975,25 +7280,7 @@
                 </a:solidFill>
                 <a:latin typeface="OCR A Extended" pitchFamily="50" charset="0"/>
               </a:rPr>
-              <a:t>le </a:t>
-            </a:r>
-            <a:r>
-              <a:rPr lang="fr-FR" sz="1200" dirty="0" smtClean="0">
-                <a:solidFill>
-                  <a:srgbClr val="008000"/>
-                </a:solidFill>
-                <a:latin typeface="OCR A Extended" pitchFamily="50" charset="0"/>
-              </a:rPr>
-              <a:t>deuxième relai du </a:t>
-            </a:r>
-            <a:r>
-              <a:rPr lang="fr-FR" sz="1200" dirty="0" smtClean="0">
-                <a:solidFill>
-                  <a:srgbClr val="008000"/>
-                </a:solidFill>
-                <a:latin typeface="OCR A Extended" pitchFamily="50" charset="0"/>
-              </a:rPr>
-              <a:t>circuit déchiffre le paquet avec la clef </a:t>
+              <a:t>le deuxième relai du circuit déchiffre le paquet avec la clef </a:t>
             </a:r>
             <a:r>
               <a:rPr lang="fr-FR" sz="1200" i="1" dirty="0" smtClean="0">
@@ -7105,32 +7392,8 @@
                 </a:solidFill>
                 <a:latin typeface="OCR A Extended" pitchFamily="50" charset="0"/>
               </a:rPr>
-              <a:t>&gt;&gt; Les </a:t>
-            </a:r>
-            <a:r>
-              <a:rPr lang="fr-FR" sz="1200" dirty="0" smtClean="0">
-                <a:solidFill>
-                  <a:srgbClr val="008000"/>
-                </a:solidFill>
-                <a:latin typeface="OCR A Extended" pitchFamily="50" charset="0"/>
-              </a:rPr>
-              <a:t>relais déchiffrent le paquet lors de la </a:t>
-            </a:r>
-            <a:r>
-              <a:rPr lang="fr-FR" sz="1200" dirty="0" smtClean="0">
-                <a:solidFill>
-                  <a:srgbClr val="008000"/>
-                </a:solidFill>
-                <a:latin typeface="OCR A Extended" pitchFamily="50" charset="0"/>
-              </a:rPr>
-              <a:t>réception:</a:t>
-            </a:r>
-            <a:endParaRPr lang="fr-FR" sz="1200" dirty="0" smtClean="0">
-              <a:solidFill>
-                <a:srgbClr val="008000"/>
-              </a:solidFill>
-              <a:latin typeface="OCR A Extended" pitchFamily="50" charset="0"/>
-            </a:endParaRPr>
+              <a:t>&gt;&gt; Les relais déchiffrent le paquet lors de la réception:</a:t>
+            </a:r>
           </a:p>
           <a:p>
             <a:r>
@@ -7142,13 +7405,8 @@
             </a:br>
             <a:r>
               <a:rPr lang="fr-FR" sz="1400" dirty="0" smtClean="0"/>
-              <a:t> </a:t>
-            </a:r>
-            <a:r>
-              <a:rPr lang="fr-FR" sz="1400" dirty="0" smtClean="0"/>
-              <a:t>	</a:t>
-            </a:r>
-            <a:endParaRPr lang="fr-FR" sz="1400" dirty="0" smtClean="0"/>
+              <a:t> 	</a:t>
+            </a:r>
           </a:p>
         </p:txBody>
       </p:sp>
@@ -7181,16 +7439,7 @@
                 </a:solidFill>
                 <a:latin typeface="OCR A Extended" pitchFamily="50" charset="0"/>
               </a:rPr>
-              <a:t>Dernier serveur déchiffre ce paquet avec sa propre clé privée n et obtient l’original </a:t>
-            </a:r>
-            <a:r>
-              <a:rPr lang="fr-FR" sz="1200" dirty="0" smtClean="0">
-                <a:solidFill>
-                  <a:srgbClr val="008000"/>
-                </a:solidFill>
-                <a:latin typeface="OCR A Extended" pitchFamily="50" charset="0"/>
-              </a:rPr>
-              <a:t>	</a:t>
+              <a:t>Dernier serveur déchiffre ce paquet avec sa propre clé privée n et obtient l’original 	</a:t>
             </a:r>
           </a:p>
         </p:txBody>
@@ -7284,25 +7533,7 @@
                 </a:solidFill>
                 <a:latin typeface="OCR A Extended" pitchFamily="50" charset="0"/>
               </a:rPr>
-              <a:t>le </a:t>
-            </a:r>
-            <a:r>
-              <a:rPr lang="fr-FR" sz="1200" dirty="0" smtClean="0">
-                <a:solidFill>
-                  <a:srgbClr val="008000"/>
-                </a:solidFill>
-                <a:latin typeface="OCR A Extended" pitchFamily="50" charset="0"/>
-              </a:rPr>
-              <a:t>deuxième relai du </a:t>
-            </a:r>
-            <a:r>
-              <a:rPr lang="fr-FR" sz="1200" dirty="0" smtClean="0">
-                <a:solidFill>
-                  <a:srgbClr val="008000"/>
-                </a:solidFill>
-                <a:latin typeface="OCR A Extended" pitchFamily="50" charset="0"/>
-              </a:rPr>
-              <a:t>circuit déchiffre le paquet avec la clef </a:t>
+              <a:t>le deuxième relai du circuit déchiffre le paquet avec la clef </a:t>
             </a:r>
             <a:r>
               <a:rPr lang="fr-FR" sz="1200" i="1" dirty="0" smtClean="0">
@@ -7480,247 +7711,6 @@
           </p:spPr>
         </p:pic>
       </p:grpSp>
-    </p:spTree>
-  </p:cSld>
-  <p:clrMapOvr>
-    <a:masterClrMapping/>
-  </p:clrMapOvr>
-</p:sld>
-</file>
-
-<file path=ppt/slides/slide9.xml><?xml version="1.0" encoding="utf-8"?>
-<p:sld xmlns:a="http://schemas.openxmlformats.org/drawingml/2006/main" xmlns:r="http://schemas.openxmlformats.org/officeDocument/2006/relationships" xmlns:p="http://schemas.openxmlformats.org/presentationml/2006/main">
-  <p:cSld>
-    <p:spTree>
-      <p:nvGrpSpPr>
-        <p:cNvPr id="1" name=""/>
-        <p:cNvGrpSpPr/>
-        <p:nvPr/>
-      </p:nvGrpSpPr>
-      <p:grpSpPr>
-        <a:xfrm>
-          <a:off x="0" y="0"/>
-          <a:ext cx="0" cy="0"/>
-          <a:chOff x="0" y="0"/>
-          <a:chExt cx="0" cy="0"/>
-        </a:xfrm>
-      </p:grpSpPr>
-      <p:sp>
-        <p:nvSpPr>
-          <p:cNvPr id="2" name="ZoneTexte 1"/>
-          <p:cNvSpPr txBox="1"/>
-          <p:nvPr/>
-        </p:nvSpPr>
-        <p:spPr>
-          <a:xfrm>
-            <a:off x="214282" y="71421"/>
-            <a:ext cx="4786346" cy="369332"/>
-          </a:xfrm>
-          <a:prstGeom prst="rect">
-            <a:avLst/>
-          </a:prstGeom>
-          <a:noFill/>
-        </p:spPr>
-        <p:txBody>
-          <a:bodyPr wrap="square" rtlCol="0">
-            <a:spAutoFit/>
-          </a:bodyPr>
-          <a:lstStyle/>
-          <a:p>
-            <a:r>
-              <a:rPr lang="fr-FR" dirty="0" smtClean="0">
-                <a:solidFill>
-                  <a:srgbClr val="008000"/>
-                </a:solidFill>
-                <a:latin typeface="OCR A Extended" pitchFamily="50" charset="0"/>
-              </a:rPr>
-              <a:t>/ SES FAILLES</a:t>
-            </a:r>
-          </a:p>
-        </p:txBody>
-      </p:sp>
-      <p:grpSp>
-        <p:nvGrpSpPr>
-          <p:cNvPr id="10" name="Groupe 9"/>
-          <p:cNvGrpSpPr/>
-          <p:nvPr/>
-        </p:nvGrpSpPr>
-        <p:grpSpPr>
-          <a:xfrm>
-            <a:off x="2357422" y="1000114"/>
-            <a:ext cx="4143404" cy="2214578"/>
-            <a:chOff x="214282" y="833095"/>
-            <a:chExt cx="5786478" cy="2881663"/>
-          </a:xfrm>
-        </p:grpSpPr>
-        <p:sp>
-          <p:nvSpPr>
-            <p:cNvPr id="7" name="Rectangle 6"/>
-            <p:cNvSpPr/>
-            <p:nvPr/>
-          </p:nvSpPr>
-          <p:spPr>
-            <a:xfrm>
-              <a:off x="214282" y="833095"/>
-              <a:ext cx="5786478" cy="2881662"/>
-            </a:xfrm>
-            <a:prstGeom prst="rect">
-              <a:avLst/>
-            </a:prstGeom>
-            <a:solidFill>
-              <a:schemeClr val="bg1">
-                <a:lumMod val="95000"/>
-              </a:schemeClr>
-            </a:solidFill>
-            <a:ln w="12700">
-              <a:solidFill>
-                <a:srgbClr val="008000"/>
-              </a:solidFill>
-            </a:ln>
-          </p:spPr>
-          <p:style>
-            <a:lnRef idx="2">
-              <a:schemeClr val="accent1">
-                <a:shade val="50000"/>
-              </a:schemeClr>
-            </a:lnRef>
-            <a:fillRef idx="1">
-              <a:schemeClr val="accent1"/>
-            </a:fillRef>
-            <a:effectRef idx="0">
-              <a:schemeClr val="accent1"/>
-            </a:effectRef>
-            <a:fontRef idx="minor">
-              <a:schemeClr val="lt1"/>
-            </a:fontRef>
-          </p:style>
-          <p:txBody>
-            <a:bodyPr rtlCol="0" anchor="ctr"/>
-            <a:lstStyle/>
-            <a:p>
-              <a:pPr algn="ctr"/>
-              <a:endParaRPr lang="fr-FR"/>
-            </a:p>
-          </p:txBody>
-        </p:sp>
-        <p:pic>
-          <p:nvPicPr>
-            <p:cNvPr id="5122" name="Picture 2" descr="RÃ©sultat de recherche d'images pour &quot;faille informatique&quot;"/>
-            <p:cNvPicPr>
-              <a:picLocks noChangeAspect="1" noChangeArrowheads="1"/>
-            </p:cNvPicPr>
-            <p:nvPr/>
-          </p:nvPicPr>
-          <p:blipFill>
-            <a:blip r:embed="rId2">
-              <a:duotone>
-                <a:prstClr val="black"/>
-                <a:srgbClr val="14D000">
-                  <a:tint val="45000"/>
-                  <a:satMod val="400000"/>
-                </a:srgbClr>
-              </a:duotone>
-            </a:blip>
-            <a:srcRect/>
-            <a:stretch>
-              <a:fillRect/>
-            </a:stretch>
-          </p:blipFill>
-          <p:spPr bwMode="auto">
-            <a:xfrm>
-              <a:off x="214282" y="928676"/>
-              <a:ext cx="5764306" cy="2786082"/>
-            </a:xfrm>
-            <a:prstGeom prst="rect">
-              <a:avLst/>
-            </a:prstGeom>
-            <a:ln>
-              <a:noFill/>
-            </a:ln>
-            <a:effectLst>
-              <a:softEdge rad="112500"/>
-            </a:effectLst>
-          </p:spPr>
-        </p:pic>
-      </p:grpSp>
-      <p:pic>
-        <p:nvPicPr>
-          <p:cNvPr id="5124" name="Picture 4" descr="RÃ©sultat de recherche d'images pour &quot;javascript logo&quot;"/>
-          <p:cNvPicPr>
-            <a:picLocks noChangeAspect="1" noChangeArrowheads="1"/>
-          </p:cNvPicPr>
-          <p:nvPr/>
-        </p:nvPicPr>
-        <p:blipFill>
-          <a:blip r:embed="rId3"/>
-          <a:srcRect l="26495" r="26630"/>
-          <a:stretch>
-            <a:fillRect/>
-          </a:stretch>
-        </p:blipFill>
-        <p:spPr bwMode="auto">
-          <a:xfrm>
-            <a:off x="571472" y="1357304"/>
-            <a:ext cx="1033469" cy="1347994"/>
-          </a:xfrm>
-          <a:prstGeom prst="rect">
-            <a:avLst/>
-          </a:prstGeom>
-          <a:noFill/>
-        </p:spPr>
-      </p:pic>
-      <p:pic>
-        <p:nvPicPr>
-          <p:cNvPr id="5128" name="Picture 8" descr="Fichier:Seal of the U.S. National Security Agency.svg"/>
-          <p:cNvPicPr>
-            <a:picLocks noChangeAspect="1" noChangeArrowheads="1"/>
-          </p:cNvPicPr>
-          <p:nvPr/>
-        </p:nvPicPr>
-        <p:blipFill>
-          <a:blip r:embed="rId4" cstate="print"/>
-          <a:srcRect/>
-          <a:stretch>
-            <a:fillRect/>
-          </a:stretch>
-        </p:blipFill>
-        <p:spPr bwMode="auto">
-          <a:xfrm>
-            <a:off x="7215206" y="1500180"/>
-            <a:ext cx="1285884" cy="1285884"/>
-          </a:xfrm>
-          <a:prstGeom prst="rect">
-            <a:avLst/>
-          </a:prstGeom>
-          <a:noFill/>
-        </p:spPr>
-      </p:pic>
-      <p:pic>
-        <p:nvPicPr>
-          <p:cNvPr id="5130" name="Picture 10" descr="RÃ©sultat de recherche d'images pour &quot;GCHQ&quot;"/>
-          <p:cNvPicPr>
-            <a:picLocks noChangeAspect="1" noChangeArrowheads="1"/>
-          </p:cNvPicPr>
-          <p:nvPr/>
-        </p:nvPicPr>
-        <p:blipFill>
-          <a:blip r:embed="rId5"/>
-          <a:srcRect/>
-          <a:stretch>
-            <a:fillRect/>
-          </a:stretch>
-        </p:blipFill>
-        <p:spPr bwMode="auto">
-          <a:xfrm>
-            <a:off x="3143240" y="3357568"/>
-            <a:ext cx="2667000" cy="1238250"/>
-          </a:xfrm>
-          <a:prstGeom prst="rect">
-            <a:avLst/>
-          </a:prstGeom>
-          <a:noFill/>
-        </p:spPr>
-      </p:pic>
     </p:spTree>
   </p:cSld>
   <p:clrMapOvr>

--- a/TOR - PRESENTATION.pptx
+++ b/TOR - PRESENTATION.pptx
@@ -17,6 +17,8 @@
     <p:sldId id="262" r:id="rId11"/>
     <p:sldId id="271" r:id="rId12"/>
     <p:sldId id="263" r:id="rId13"/>
+    <p:sldId id="273" r:id="rId14"/>
+    <p:sldId id="274" r:id="rId15"/>
   </p:sldIdLst>
   <p:sldSz cx="9144000" cy="5143500" type="screen16x9"/>
   <p:notesSz cx="6858000" cy="9144000"/>
@@ -300,7 +302,7 @@
             <a:fld id="{AA309A6D-C09C-4548-B29A-6CF363A7E532}" type="datetimeFigureOut">
               <a:rPr lang="fr-FR" smtClean="0"/>
               <a:pPr/>
-              <a:t>17/06/2018</a:t>
+              <a:t>18/06/2018</a:t>
             </a:fld>
             <a:endParaRPr lang="fr-BE"/>
           </a:p>
@@ -467,7 +469,7 @@
             <a:fld id="{AA309A6D-C09C-4548-B29A-6CF363A7E532}" type="datetimeFigureOut">
               <a:rPr lang="fr-FR" smtClean="0"/>
               <a:pPr/>
-              <a:t>17/06/2018</a:t>
+              <a:t>18/06/2018</a:t>
             </a:fld>
             <a:endParaRPr lang="fr-BE"/>
           </a:p>
@@ -644,7 +646,7 @@
             <a:fld id="{AA309A6D-C09C-4548-B29A-6CF363A7E532}" type="datetimeFigureOut">
               <a:rPr lang="fr-FR" smtClean="0"/>
               <a:pPr/>
-              <a:t>17/06/2018</a:t>
+              <a:t>18/06/2018</a:t>
             </a:fld>
             <a:endParaRPr lang="fr-BE"/>
           </a:p>
@@ -811,7 +813,7 @@
             <a:fld id="{AA309A6D-C09C-4548-B29A-6CF363A7E532}" type="datetimeFigureOut">
               <a:rPr lang="fr-FR" smtClean="0"/>
               <a:pPr/>
-              <a:t>17/06/2018</a:t>
+              <a:t>18/06/2018</a:t>
             </a:fld>
             <a:endParaRPr lang="fr-BE"/>
           </a:p>
@@ -1054,7 +1056,7 @@
             <a:fld id="{AA309A6D-C09C-4548-B29A-6CF363A7E532}" type="datetimeFigureOut">
               <a:rPr lang="fr-FR" smtClean="0"/>
               <a:pPr/>
-              <a:t>17/06/2018</a:t>
+              <a:t>18/06/2018</a:t>
             </a:fld>
             <a:endParaRPr lang="fr-BE"/>
           </a:p>
@@ -1339,7 +1341,7 @@
             <a:fld id="{AA309A6D-C09C-4548-B29A-6CF363A7E532}" type="datetimeFigureOut">
               <a:rPr lang="fr-FR" smtClean="0"/>
               <a:pPr/>
-              <a:t>17/06/2018</a:t>
+              <a:t>18/06/2018</a:t>
             </a:fld>
             <a:endParaRPr lang="fr-BE"/>
           </a:p>
@@ -1758,7 +1760,7 @@
             <a:fld id="{AA309A6D-C09C-4548-B29A-6CF363A7E532}" type="datetimeFigureOut">
               <a:rPr lang="fr-FR" smtClean="0"/>
               <a:pPr/>
-              <a:t>17/06/2018</a:t>
+              <a:t>18/06/2018</a:t>
             </a:fld>
             <a:endParaRPr lang="fr-BE"/>
           </a:p>
@@ -1873,7 +1875,7 @@
             <a:fld id="{AA309A6D-C09C-4548-B29A-6CF363A7E532}" type="datetimeFigureOut">
               <a:rPr lang="fr-FR" smtClean="0"/>
               <a:pPr/>
-              <a:t>17/06/2018</a:t>
+              <a:t>18/06/2018</a:t>
             </a:fld>
             <a:endParaRPr lang="fr-BE"/>
           </a:p>
@@ -1965,7 +1967,7 @@
             <a:fld id="{AA309A6D-C09C-4548-B29A-6CF363A7E532}" type="datetimeFigureOut">
               <a:rPr lang="fr-FR" smtClean="0"/>
               <a:pPr/>
-              <a:t>17/06/2018</a:t>
+              <a:t>18/06/2018</a:t>
             </a:fld>
             <a:endParaRPr lang="fr-BE"/>
           </a:p>
@@ -2239,7 +2241,7 @@
             <a:fld id="{AA309A6D-C09C-4548-B29A-6CF363A7E532}" type="datetimeFigureOut">
               <a:rPr lang="fr-FR" smtClean="0"/>
               <a:pPr/>
-              <a:t>17/06/2018</a:t>
+              <a:t>18/06/2018</a:t>
             </a:fld>
             <a:endParaRPr lang="fr-BE"/>
           </a:p>
@@ -2489,7 +2491,7 @@
             <a:fld id="{AA309A6D-C09C-4548-B29A-6CF363A7E532}" type="datetimeFigureOut">
               <a:rPr lang="fr-FR" smtClean="0"/>
               <a:pPr/>
-              <a:t>17/06/2018</a:t>
+              <a:t>18/06/2018</a:t>
             </a:fld>
             <a:endParaRPr lang="fr-BE"/>
           </a:p>
@@ -2702,7 +2704,7 @@
             <a:fld id="{AA309A6D-C09C-4548-B29A-6CF363A7E532}" type="datetimeFigureOut">
               <a:rPr lang="fr-FR" smtClean="0"/>
               <a:pPr/>
-              <a:t>17/06/2018</a:t>
+              <a:t>18/06/2018</a:t>
             </a:fld>
             <a:endParaRPr lang="fr-BE"/>
           </a:p>
@@ -3788,22 +3790,13 @@
           <a:lstStyle/>
           <a:p>
             <a:r>
-              <a:rPr lang="fr-FR" smtClean="0">
+              <a:rPr lang="fr-FR" dirty="0" smtClean="0">
                 <a:solidFill>
                   <a:srgbClr val="008000"/>
                 </a:solidFill>
                 <a:latin typeface="OCR A Extended" pitchFamily="50" charset="0"/>
               </a:rPr>
-              <a:t>/ </a:t>
-            </a:r>
-            <a:r>
-              <a:rPr lang="fr-FR" dirty="0" smtClean="0">
-                <a:solidFill>
-                  <a:srgbClr val="008000"/>
-                </a:solidFill>
-                <a:latin typeface="OCR A Extended" pitchFamily="50" charset="0"/>
-              </a:rPr>
-              <a:t>OUTILS</a:t>
+              <a:t>/ OUTILS</a:t>
             </a:r>
           </a:p>
         </p:txBody>
@@ -3825,8 +3818,8 @@
         </p:blipFill>
         <p:spPr bwMode="auto">
           <a:xfrm>
-            <a:off x="428596" y="714362"/>
-            <a:ext cx="1762125" cy="1295401"/>
+            <a:off x="2571736" y="642924"/>
+            <a:ext cx="1263296" cy="928694"/>
           </a:xfrm>
           <a:prstGeom prst="rect">
             <a:avLst/>
@@ -3851,8 +3844,8 @@
         </p:blipFill>
         <p:spPr bwMode="auto">
           <a:xfrm>
-            <a:off x="3286116" y="1000114"/>
-            <a:ext cx="2286016" cy="910361"/>
+            <a:off x="1500166" y="2074844"/>
+            <a:ext cx="1785950" cy="711220"/>
           </a:xfrm>
           <a:prstGeom prst="rect">
             <a:avLst/>
@@ -3920,32 +3913,6 @@
           </a:p>
         </p:txBody>
       </p:sp>
-      <p:pic>
-        <p:nvPicPr>
-          <p:cNvPr id="4106" name="Picture 10" descr="RÃ©sultat de recherche d'images pour &quot;the pirate bay&quot;"/>
-          <p:cNvPicPr>
-            <a:picLocks noChangeAspect="1" noChangeArrowheads="1"/>
-          </p:cNvPicPr>
-          <p:nvPr/>
-        </p:nvPicPr>
-        <p:blipFill>
-          <a:blip r:embed="rId4" cstate="print"/>
-          <a:srcRect/>
-          <a:stretch>
-            <a:fillRect/>
-          </a:stretch>
-        </p:blipFill>
-        <p:spPr bwMode="auto">
-          <a:xfrm>
-            <a:off x="500034" y="2714626"/>
-            <a:ext cx="1428680" cy="1617980"/>
-          </a:xfrm>
-          <a:prstGeom prst="rect">
-            <a:avLst/>
-          </a:prstGeom>
-          <a:noFill/>
-        </p:spPr>
-      </p:pic>
       <p:pic>
         <p:nvPicPr>
           <p:cNvPr id="4108" name="Picture 12" descr="Logo"/>
@@ -3955,7 +3922,7 @@
           <p:nvPr/>
         </p:nvPicPr>
         <p:blipFill>
-          <a:blip r:embed="rId5"/>
+          <a:blip r:embed="rId4"/>
           <a:srcRect/>
           <a:stretch>
             <a:fillRect/>
@@ -3963,8 +3930,8 @@
         </p:blipFill>
         <p:spPr bwMode="auto">
           <a:xfrm>
-            <a:off x="2928926" y="3071816"/>
-            <a:ext cx="3000396" cy="1102710"/>
+            <a:off x="4000496" y="2014154"/>
+            <a:ext cx="2071702" cy="761395"/>
           </a:xfrm>
           <a:prstGeom prst="rect">
             <a:avLst/>
@@ -3972,108 +3939,87 @@
           <a:noFill/>
         </p:spPr>
       </p:pic>
-      <p:pic>
-        <p:nvPicPr>
-          <p:cNvPr id="4110" name="Picture 14" descr="RÃ©sultat de recherche d'images pour &quot;orbot logo&quot;"/>
-          <p:cNvPicPr>
-            <a:picLocks noChangeAspect="1" noChangeArrowheads="1"/>
-          </p:cNvPicPr>
+      <p:grpSp>
+        <p:nvGrpSpPr>
+          <p:cNvPr id="13" name="Groupe 12"/>
+          <p:cNvGrpSpPr/>
           <p:nvPr/>
-        </p:nvPicPr>
-        <p:blipFill>
-          <a:blip r:embed="rId6"/>
-          <a:srcRect/>
-          <a:stretch>
-            <a:fillRect/>
-          </a:stretch>
-        </p:blipFill>
-        <p:spPr bwMode="auto">
-          <a:xfrm>
-            <a:off x="6929454" y="1142990"/>
-            <a:ext cx="2000264" cy="457203"/>
-          </a:xfrm>
-          <a:prstGeom prst="rect">
-            <a:avLst/>
-          </a:prstGeom>
-          <a:noFill/>
-        </p:spPr>
-      </p:pic>
-      <p:pic>
-        <p:nvPicPr>
-          <p:cNvPr id="4112" name="Picture 16" descr="Image associÃ©e"/>
-          <p:cNvPicPr>
-            <a:picLocks noChangeAspect="1" noChangeArrowheads="1"/>
-          </p:cNvPicPr>
-          <p:nvPr/>
-        </p:nvPicPr>
-        <p:blipFill>
-          <a:blip r:embed="rId7" cstate="print"/>
-          <a:srcRect/>
-          <a:stretch>
-            <a:fillRect/>
-          </a:stretch>
-        </p:blipFill>
-        <p:spPr bwMode="auto">
-          <a:xfrm>
-            <a:off x="5929322" y="500048"/>
-            <a:ext cx="1304900" cy="1304900"/>
-          </a:xfrm>
-          <a:prstGeom prst="rect">
-            <a:avLst/>
-          </a:prstGeom>
-          <a:noFill/>
-        </p:spPr>
-      </p:pic>
-      <p:pic>
-        <p:nvPicPr>
-          <p:cNvPr id="4114" name="Picture 18" descr="Logo"/>
-          <p:cNvPicPr>
-            <a:picLocks noChangeAspect="1" noChangeArrowheads="1"/>
-          </p:cNvPicPr>
-          <p:nvPr/>
-        </p:nvPicPr>
-        <p:blipFill>
-          <a:blip r:embed="rId8"/>
-          <a:srcRect/>
-          <a:stretch>
-            <a:fillRect/>
-          </a:stretch>
-        </p:blipFill>
-        <p:spPr bwMode="auto">
-          <a:xfrm>
-            <a:off x="7215206" y="3000378"/>
-            <a:ext cx="914400" cy="1295401"/>
-          </a:xfrm>
-          <a:prstGeom prst="rect">
-            <a:avLst/>
-          </a:prstGeom>
-          <a:noFill/>
-        </p:spPr>
-      </p:pic>
-      <p:sp>
-        <p:nvSpPr>
-          <p:cNvPr id="12" name="ZoneTexte 11"/>
-          <p:cNvSpPr txBox="1"/>
-          <p:nvPr/>
-        </p:nvSpPr>
-        <p:spPr>
-          <a:xfrm>
-            <a:off x="7000892" y="2643188"/>
-            <a:ext cx="1500198" cy="369332"/>
-          </a:xfrm>
-          <a:prstGeom prst="rect">
-            <a:avLst/>
-          </a:prstGeom>
-          <a:noFill/>
-        </p:spPr>
-        <p:txBody>
-          <a:bodyPr wrap="square" rtlCol="0">
-            <a:spAutoFit/>
-          </a:bodyPr>
-          <a:lstStyle/>
-          <a:p>
-            <a:r>
-              <a:rPr lang="fr-FR" b="1" dirty="0" smtClean="0">
+        </p:nvGrpSpPr>
+        <p:grpSpPr>
+          <a:xfrm>
+            <a:off x="2143108" y="3357568"/>
+            <a:ext cx="1428760" cy="1438277"/>
+            <a:chOff x="7143769" y="3143254"/>
+            <a:chExt cx="1875248" cy="1652591"/>
+          </a:xfrm>
+        </p:grpSpPr>
+        <p:pic>
+          <p:nvPicPr>
+            <p:cNvPr id="4114" name="Picture 18" descr="Logo"/>
+            <p:cNvPicPr>
+              <a:picLocks noChangeAspect="1" noChangeArrowheads="1"/>
+            </p:cNvPicPr>
+            <p:nvPr/>
+          </p:nvPicPr>
+          <p:blipFill>
+            <a:blip r:embed="rId5"/>
+            <a:srcRect/>
+            <a:stretch>
+              <a:fillRect/>
+            </a:stretch>
+          </p:blipFill>
+          <p:spPr bwMode="auto">
+            <a:xfrm>
+              <a:off x="7358082" y="3500444"/>
+              <a:ext cx="914400" cy="1295401"/>
+            </a:xfrm>
+            <a:prstGeom prst="rect">
+              <a:avLst/>
+            </a:prstGeom>
+            <a:noFill/>
+          </p:spPr>
+        </p:pic>
+        <p:sp>
+          <p:nvSpPr>
+            <p:cNvPr id="12" name="ZoneTexte 11"/>
+            <p:cNvSpPr txBox="1"/>
+            <p:nvPr/>
+          </p:nvSpPr>
+          <p:spPr>
+            <a:xfrm>
+              <a:off x="7143769" y="3143254"/>
+              <a:ext cx="1875248" cy="424365"/>
+            </a:xfrm>
+            <a:prstGeom prst="rect">
+              <a:avLst/>
+            </a:prstGeom>
+            <a:noFill/>
+          </p:spPr>
+          <p:txBody>
+            <a:bodyPr wrap="square" rtlCol="0">
+              <a:spAutoFit/>
+            </a:bodyPr>
+            <a:lstStyle/>
+            <a:p>
+              <a:r>
+                <a:rPr lang="fr-FR" b="1" dirty="0" smtClean="0">
+                  <a:solidFill>
+                    <a:schemeClr val="accent6">
+                      <a:lumMod val="75000"/>
+                    </a:schemeClr>
+                  </a:solidFill>
+                  <a:effectLst>
+                    <a:outerShdw blurRad="50800" dist="38100" dir="18900000" algn="bl" rotWithShape="0">
+                      <a:prstClr val="black">
+                        <a:alpha val="40000"/>
+                      </a:prstClr>
+                    </a:outerShdw>
+                  </a:effectLst>
+                  <a:latin typeface="OCR A Extended" pitchFamily="50" charset="0"/>
+                </a:rPr>
+                <a:t>RICOCHET</a:t>
+              </a:r>
+              <a:endParaRPr lang="fr-FR" b="1" dirty="0">
                 <a:solidFill>
                   <a:schemeClr val="accent6">
                     <a:lumMod val="75000"/>
@@ -4087,22 +4033,763 @@
                   </a:outerShdw>
                 </a:effectLst>
                 <a:latin typeface="OCR A Extended" pitchFamily="50" charset="0"/>
+              </a:endParaRPr>
+            </a:p>
+          </p:txBody>
+        </p:sp>
+      </p:grpSp>
+      <p:sp>
+        <p:nvSpPr>
+          <p:cNvPr id="14" name="ZoneTexte 13"/>
+          <p:cNvSpPr txBox="1"/>
+          <p:nvPr/>
+        </p:nvSpPr>
+        <p:spPr>
+          <a:xfrm>
+            <a:off x="357158" y="857238"/>
+            <a:ext cx="1785950" cy="307777"/>
+          </a:xfrm>
+          <a:prstGeom prst="rect">
+            <a:avLst/>
+          </a:prstGeom>
+          <a:noFill/>
+        </p:spPr>
+        <p:txBody>
+          <a:bodyPr wrap="square" rtlCol="0">
+            <a:spAutoFit/>
+          </a:bodyPr>
+          <a:lstStyle/>
+          <a:p>
+            <a:r>
+              <a:rPr lang="fr-FR" sz="1400" dirty="0" smtClean="0">
+                <a:solidFill>
+                  <a:srgbClr val="008000"/>
+                </a:solidFill>
+                <a:latin typeface="OCR A Extended" pitchFamily="50" charset="0"/>
               </a:rPr>
-              <a:t>RICOCHET</a:t>
-            </a:r>
-            <a:endParaRPr lang="fr-FR" b="1" dirty="0">
+              <a:t>/ NAVIGUATEUR</a:t>
+            </a:r>
+          </a:p>
+        </p:txBody>
+      </p:sp>
+      <p:sp>
+        <p:nvSpPr>
+          <p:cNvPr id="15" name="ZoneTexte 14"/>
+          <p:cNvSpPr txBox="1"/>
+          <p:nvPr/>
+        </p:nvSpPr>
+        <p:spPr>
+          <a:xfrm>
+            <a:off x="357158" y="2135005"/>
+            <a:ext cx="1785950" cy="307777"/>
+          </a:xfrm>
+          <a:prstGeom prst="rect">
+            <a:avLst/>
+          </a:prstGeom>
+          <a:noFill/>
+        </p:spPr>
+        <p:txBody>
+          <a:bodyPr wrap="square" rtlCol="0">
+            <a:spAutoFit/>
+          </a:bodyPr>
+          <a:lstStyle/>
+          <a:p>
+            <a:r>
+              <a:rPr lang="fr-FR" sz="1400" dirty="0" smtClean="0">
+                <a:solidFill>
+                  <a:srgbClr val="008000"/>
+                </a:solidFill>
+                <a:latin typeface="OCR A Extended" pitchFamily="50" charset="0"/>
+              </a:rPr>
+              <a:t>/ OS</a:t>
+            </a:r>
+          </a:p>
+        </p:txBody>
+      </p:sp>
+      <p:sp>
+        <p:nvSpPr>
+          <p:cNvPr id="16" name="ZoneTexte 15"/>
+          <p:cNvSpPr txBox="1"/>
+          <p:nvPr/>
+        </p:nvSpPr>
+        <p:spPr>
+          <a:xfrm>
+            <a:off x="357158" y="3357568"/>
+            <a:ext cx="1785950" cy="307777"/>
+          </a:xfrm>
+          <a:prstGeom prst="rect">
+            <a:avLst/>
+          </a:prstGeom>
+          <a:noFill/>
+        </p:spPr>
+        <p:txBody>
+          <a:bodyPr wrap="square" rtlCol="0">
+            <a:spAutoFit/>
+          </a:bodyPr>
+          <a:lstStyle/>
+          <a:p>
+            <a:r>
+              <a:rPr lang="fr-FR" sz="1400" dirty="0" smtClean="0">
+                <a:solidFill>
+                  <a:srgbClr val="008000"/>
+                </a:solidFill>
+                <a:latin typeface="OCR A Extended" pitchFamily="50" charset="0"/>
+              </a:rPr>
+              <a:t>/ MESSAGERIE</a:t>
+            </a:r>
+          </a:p>
+        </p:txBody>
+      </p:sp>
+      <p:cxnSp>
+        <p:nvCxnSpPr>
+          <p:cNvPr id="18" name="Connecteur droit 17"/>
+          <p:cNvCxnSpPr/>
+          <p:nvPr/>
+        </p:nvCxnSpPr>
+        <p:spPr>
+          <a:xfrm>
+            <a:off x="357158" y="1785932"/>
+            <a:ext cx="6876000" cy="1588"/>
+          </a:xfrm>
+          <a:prstGeom prst="line">
+            <a:avLst/>
+          </a:prstGeom>
+          <a:ln w="12700">
+            <a:solidFill>
+              <a:schemeClr val="tx1"/>
+            </a:solidFill>
+          </a:ln>
+        </p:spPr>
+        <p:style>
+          <a:lnRef idx="1">
+            <a:schemeClr val="accent1"/>
+          </a:lnRef>
+          <a:fillRef idx="0">
+            <a:schemeClr val="accent1"/>
+          </a:fillRef>
+          <a:effectRef idx="0">
+            <a:schemeClr val="accent1"/>
+          </a:effectRef>
+          <a:fontRef idx="minor">
+            <a:schemeClr val="tx1"/>
+          </a:fontRef>
+        </p:style>
+      </p:cxnSp>
+      <p:cxnSp>
+        <p:nvCxnSpPr>
+          <p:cNvPr id="19" name="Connecteur droit 18"/>
+          <p:cNvCxnSpPr/>
+          <p:nvPr/>
+        </p:nvCxnSpPr>
+        <p:spPr>
+          <a:xfrm>
+            <a:off x="357158" y="3143254"/>
+            <a:ext cx="6876000" cy="1588"/>
+          </a:xfrm>
+          <a:prstGeom prst="line">
+            <a:avLst/>
+          </a:prstGeom>
+          <a:ln w="12700">
+            <a:solidFill>
+              <a:schemeClr val="tx1"/>
+            </a:solidFill>
+          </a:ln>
+        </p:spPr>
+        <p:style>
+          <a:lnRef idx="1">
+            <a:schemeClr val="accent1"/>
+          </a:lnRef>
+          <a:fillRef idx="0">
+            <a:schemeClr val="accent1"/>
+          </a:fillRef>
+          <a:effectRef idx="0">
+            <a:schemeClr val="accent1"/>
+          </a:effectRef>
+          <a:fontRef idx="minor">
+            <a:schemeClr val="tx1"/>
+          </a:fontRef>
+        </p:style>
+      </p:cxnSp>
+    </p:spTree>
+  </p:cSld>
+  <p:clrMapOvr>
+    <a:masterClrMapping/>
+  </p:clrMapOvr>
+</p:sld>
+</file>
+
+<file path=ppt/slides/slide13.xml><?xml version="1.0" encoding="utf-8"?>
+<p:sld xmlns:a="http://schemas.openxmlformats.org/drawingml/2006/main" xmlns:r="http://schemas.openxmlformats.org/officeDocument/2006/relationships" xmlns:p="http://schemas.openxmlformats.org/presentationml/2006/main">
+  <p:cSld>
+    <p:spTree>
+      <p:nvGrpSpPr>
+        <p:cNvPr id="1" name=""/>
+        <p:cNvGrpSpPr/>
+        <p:nvPr/>
+      </p:nvGrpSpPr>
+      <p:grpSpPr>
+        <a:xfrm>
+          <a:off x="0" y="0"/>
+          <a:ext cx="0" cy="0"/>
+          <a:chOff x="0" y="0"/>
+          <a:chExt cx="0" cy="0"/>
+        </a:xfrm>
+      </p:grpSpPr>
+      <p:sp>
+        <p:nvSpPr>
+          <p:cNvPr id="2" name="ZoneTexte 1"/>
+          <p:cNvSpPr txBox="1"/>
+          <p:nvPr/>
+        </p:nvSpPr>
+        <p:spPr>
+          <a:xfrm>
+            <a:off x="214282" y="71421"/>
+            <a:ext cx="4786346" cy="369332"/>
+          </a:xfrm>
+          <a:prstGeom prst="rect">
+            <a:avLst/>
+          </a:prstGeom>
+          <a:noFill/>
+        </p:spPr>
+        <p:txBody>
+          <a:bodyPr wrap="square" rtlCol="0">
+            <a:spAutoFit/>
+          </a:bodyPr>
+          <a:lstStyle/>
+          <a:p>
+            <a:r>
+              <a:rPr lang="fr-FR" dirty="0" smtClean="0">
+                <a:solidFill>
+                  <a:srgbClr val="008000"/>
+                </a:solidFill>
+                <a:latin typeface="OCR A Extended" pitchFamily="50" charset="0"/>
+              </a:rPr>
+              <a:t>/ OUTILS</a:t>
+            </a:r>
+          </a:p>
+        </p:txBody>
+      </p:sp>
+      <p:sp>
+        <p:nvSpPr>
+          <p:cNvPr id="4102" name="AutoShape 6" descr="RÃ©sultat de recherche d'images pour &quot;PirateBrowser&quot;"/>
+          <p:cNvSpPr>
+            <a:spLocks noChangeAspect="1" noChangeArrowheads="1"/>
+          </p:cNvSpPr>
+          <p:nvPr/>
+        </p:nvSpPr>
+        <p:spPr bwMode="auto">
+          <a:xfrm>
+            <a:off x="155575" y="-144463"/>
+            <a:ext cx="304800" cy="304801"/>
+          </a:xfrm>
+          <a:prstGeom prst="rect">
+            <a:avLst/>
+          </a:prstGeom>
+          <a:noFill/>
+        </p:spPr>
+        <p:txBody>
+          <a:bodyPr vert="horz" wrap="square" lIns="91440" tIns="45720" rIns="91440" bIns="45720" numCol="1" anchor="t" anchorCtr="0" compatLnSpc="1">
+            <a:prstTxWarp prst="textNoShape">
+              <a:avLst/>
+            </a:prstTxWarp>
+          </a:bodyPr>
+          <a:lstStyle/>
+          <a:p>
+            <a:endParaRPr lang="fr-FR"/>
+          </a:p>
+        </p:txBody>
+      </p:sp>
+      <p:sp>
+        <p:nvSpPr>
+          <p:cNvPr id="4104" name="AutoShape 8" descr="RÃ©sultat de recherche d'images pour &quot;PirateBrowser&quot;"/>
+          <p:cNvSpPr>
+            <a:spLocks noChangeAspect="1" noChangeArrowheads="1"/>
+          </p:cNvSpPr>
+          <p:nvPr/>
+        </p:nvSpPr>
+        <p:spPr bwMode="auto">
+          <a:xfrm>
+            <a:off x="155575" y="-144463"/>
+            <a:ext cx="304800" cy="304801"/>
+          </a:xfrm>
+          <a:prstGeom prst="rect">
+            <a:avLst/>
+          </a:prstGeom>
+          <a:noFill/>
+        </p:spPr>
+        <p:txBody>
+          <a:bodyPr vert="horz" wrap="square" lIns="91440" tIns="45720" rIns="91440" bIns="45720" numCol="1" anchor="t" anchorCtr="0" compatLnSpc="1">
+            <a:prstTxWarp prst="textNoShape">
+              <a:avLst/>
+            </a:prstTxWarp>
+          </a:bodyPr>
+          <a:lstStyle/>
+          <a:p>
+            <a:endParaRPr lang="fr-FR"/>
+          </a:p>
+        </p:txBody>
+      </p:sp>
+      <p:sp>
+        <p:nvSpPr>
+          <p:cNvPr id="14" name="ZoneTexte 13"/>
+          <p:cNvSpPr txBox="1"/>
+          <p:nvPr/>
+        </p:nvSpPr>
+        <p:spPr>
+          <a:xfrm>
+            <a:off x="1428728" y="119704"/>
+            <a:ext cx="3857652" cy="523220"/>
+          </a:xfrm>
+          <a:prstGeom prst="rect">
+            <a:avLst/>
+          </a:prstGeom>
+          <a:noFill/>
+        </p:spPr>
+        <p:txBody>
+          <a:bodyPr wrap="square" rtlCol="0">
+            <a:spAutoFit/>
+          </a:bodyPr>
+          <a:lstStyle/>
+          <a:p>
+            <a:r>
+              <a:rPr lang="fr-FR" sz="1400" dirty="0" smtClean="0">
+                <a:solidFill>
+                  <a:srgbClr val="008000"/>
+                </a:solidFill>
+                <a:latin typeface="OCR A Extended" pitchFamily="50" charset="0"/>
+              </a:rPr>
+              <a:t>&gt;&gt; utiliser Bitcoin anonymement</a:t>
+            </a:r>
+          </a:p>
+          <a:p>
+            <a:endParaRPr lang="fr-FR" sz="1400" dirty="0" smtClean="0">
               <a:solidFill>
-                <a:schemeClr val="accent6">
-                  <a:lumMod val="75000"/>
-                </a:schemeClr>
+                <a:srgbClr val="008000"/>
               </a:solidFill>
-              <a:effectLst>
-                <a:outerShdw blurRad="50800" dist="38100" dir="18900000" algn="bl" rotWithShape="0">
-                  <a:prstClr val="black">
-                    <a:alpha val="40000"/>
-                  </a:prstClr>
-                </a:outerShdw>
-              </a:effectLst>
+              <a:latin typeface="OCR A Extended" pitchFamily="50" charset="0"/>
+            </a:endParaRPr>
+          </a:p>
+        </p:txBody>
+      </p:sp>
+      <p:pic>
+        <p:nvPicPr>
+          <p:cNvPr id="1028" name="Picture 4" descr="RÃ©sultat de recherche d'images pour &quot;bitcoin&quot;"/>
+          <p:cNvPicPr>
+            <a:picLocks noChangeAspect="1" noChangeArrowheads="1"/>
+          </p:cNvPicPr>
+          <p:nvPr/>
+        </p:nvPicPr>
+        <p:blipFill>
+          <a:blip r:embed="rId2" cstate="print"/>
+          <a:srcRect/>
+          <a:stretch>
+            <a:fillRect/>
+          </a:stretch>
+        </p:blipFill>
+        <p:spPr bwMode="auto">
+          <a:xfrm>
+            <a:off x="285720" y="642924"/>
+            <a:ext cx="1285883" cy="1285884"/>
+          </a:xfrm>
+          <a:prstGeom prst="rect">
+            <a:avLst/>
+          </a:prstGeom>
+          <a:noFill/>
+        </p:spPr>
+      </p:pic>
+      <p:sp>
+        <p:nvSpPr>
+          <p:cNvPr id="1030" name="AutoShape 6" descr="how bitcoin mixing service works"/>
+          <p:cNvSpPr>
+            <a:spLocks noChangeAspect="1" noChangeArrowheads="1"/>
+          </p:cNvSpPr>
+          <p:nvPr/>
+        </p:nvSpPr>
+        <p:spPr bwMode="auto">
+          <a:xfrm>
+            <a:off x="155575" y="-144463"/>
+            <a:ext cx="304800" cy="304801"/>
+          </a:xfrm>
+          <a:prstGeom prst="rect">
+            <a:avLst/>
+          </a:prstGeom>
+          <a:noFill/>
+        </p:spPr>
+        <p:txBody>
+          <a:bodyPr vert="horz" wrap="square" lIns="91440" tIns="45720" rIns="91440" bIns="45720" numCol="1" anchor="t" anchorCtr="0" compatLnSpc="1">
+            <a:prstTxWarp prst="textNoShape">
+              <a:avLst/>
+            </a:prstTxWarp>
+          </a:bodyPr>
+          <a:lstStyle/>
+          <a:p>
+            <a:endParaRPr lang="fr-FR"/>
+          </a:p>
+        </p:txBody>
+      </p:sp>
+      <p:pic>
+        <p:nvPicPr>
+          <p:cNvPr id="1031" name="Picture 7"/>
+          <p:cNvPicPr>
+            <a:picLocks noChangeAspect="1" noChangeArrowheads="1"/>
+          </p:cNvPicPr>
+          <p:nvPr/>
+        </p:nvPicPr>
+        <p:blipFill>
+          <a:blip r:embed="rId3"/>
+          <a:srcRect/>
+          <a:stretch>
+            <a:fillRect/>
+          </a:stretch>
+        </p:blipFill>
+        <p:spPr bwMode="auto">
+          <a:xfrm>
+            <a:off x="1785918" y="714362"/>
+            <a:ext cx="7143800" cy="1169103"/>
+          </a:xfrm>
+          <a:prstGeom prst="rect">
+            <a:avLst/>
+          </a:prstGeom>
+          <a:ln w="38100" cap="sq">
+            <a:solidFill>
+              <a:srgbClr val="008000"/>
+            </a:solidFill>
+            <a:prstDash val="solid"/>
+            <a:miter lim="800000"/>
+          </a:ln>
+          <a:effectLst>
+            <a:outerShdw blurRad="50800" dist="38100" dir="2700000" algn="tl" rotWithShape="0">
+              <a:srgbClr val="000000">
+                <a:alpha val="43000"/>
+              </a:srgbClr>
+            </a:outerShdw>
+          </a:effectLst>
+        </p:spPr>
+      </p:pic>
+      <p:sp>
+        <p:nvSpPr>
+          <p:cNvPr id="20" name="ZoneTexte 19"/>
+          <p:cNvSpPr txBox="1"/>
+          <p:nvPr/>
+        </p:nvSpPr>
+        <p:spPr>
+          <a:xfrm>
+            <a:off x="2786050" y="1928808"/>
+            <a:ext cx="5500726" cy="523220"/>
+          </a:xfrm>
+          <a:prstGeom prst="rect">
+            <a:avLst/>
+          </a:prstGeom>
+          <a:noFill/>
+        </p:spPr>
+        <p:txBody>
+          <a:bodyPr wrap="square" rtlCol="0">
+            <a:spAutoFit/>
+          </a:bodyPr>
+          <a:lstStyle/>
+          <a:p>
+            <a:r>
+              <a:rPr lang="fr-FR" sz="1400" dirty="0" smtClean="0">
+                <a:solidFill>
+                  <a:srgbClr val="008000"/>
+                </a:solidFill>
+                <a:latin typeface="OCR A Extended" pitchFamily="50" charset="0"/>
+              </a:rPr>
+              <a:t>&gt;&gt; Flux classique d’un service de mixage Bitcoin</a:t>
+            </a:r>
+          </a:p>
+          <a:p>
+            <a:endParaRPr lang="fr-FR" sz="1400" dirty="0" smtClean="0">
+              <a:solidFill>
+                <a:srgbClr val="008000"/>
+              </a:solidFill>
+              <a:latin typeface="OCR A Extended" pitchFamily="50" charset="0"/>
+            </a:endParaRPr>
+          </a:p>
+        </p:txBody>
+      </p:sp>
+      <p:sp>
+        <p:nvSpPr>
+          <p:cNvPr id="21" name="ZoneTexte 20"/>
+          <p:cNvSpPr txBox="1"/>
+          <p:nvPr/>
+        </p:nvSpPr>
+        <p:spPr>
+          <a:xfrm>
+            <a:off x="285720" y="2714626"/>
+            <a:ext cx="5500726" cy="523220"/>
+          </a:xfrm>
+          <a:prstGeom prst="rect">
+            <a:avLst/>
+          </a:prstGeom>
+          <a:noFill/>
+        </p:spPr>
+        <p:txBody>
+          <a:bodyPr wrap="square" rtlCol="0">
+            <a:spAutoFit/>
+          </a:bodyPr>
+          <a:lstStyle/>
+          <a:p>
+            <a:r>
+              <a:rPr lang="fr-FR" sz="1400" dirty="0" smtClean="0">
+                <a:solidFill>
+                  <a:srgbClr val="008000"/>
+                </a:solidFill>
+                <a:latin typeface="OCR A Extended" pitchFamily="50" charset="0"/>
+              </a:rPr>
+              <a:t>&gt;&gt; ACQUERIR DE MANIERE ANONYME DES BITCOINS</a:t>
+            </a:r>
+          </a:p>
+          <a:p>
+            <a:endParaRPr lang="fr-FR" sz="1400" dirty="0" smtClean="0">
+              <a:solidFill>
+                <a:srgbClr val="008000"/>
+              </a:solidFill>
+              <a:latin typeface="OCR A Extended" pitchFamily="50" charset="0"/>
+            </a:endParaRPr>
+          </a:p>
+        </p:txBody>
+      </p:sp>
+      <p:grpSp>
+        <p:nvGrpSpPr>
+          <p:cNvPr id="26" name="Groupe 25"/>
+          <p:cNvGrpSpPr/>
+          <p:nvPr/>
+        </p:nvGrpSpPr>
+        <p:grpSpPr>
+          <a:xfrm>
+            <a:off x="2428860" y="3286130"/>
+            <a:ext cx="4714908" cy="1357322"/>
+            <a:chOff x="357158" y="3143254"/>
+            <a:chExt cx="4714908" cy="1357322"/>
+          </a:xfrm>
+        </p:grpSpPr>
+        <p:pic>
+          <p:nvPicPr>
+            <p:cNvPr id="1033" name="Picture 9" descr="RÃ©sultat de recherche d'images pour &quot;localbitcoins&quot;"/>
+            <p:cNvPicPr>
+              <a:picLocks noChangeAspect="1" noChangeArrowheads="1"/>
+            </p:cNvPicPr>
+            <p:nvPr/>
+          </p:nvPicPr>
+          <p:blipFill>
+            <a:blip r:embed="rId4" cstate="print"/>
+            <a:srcRect/>
+            <a:stretch>
+              <a:fillRect/>
+            </a:stretch>
+          </p:blipFill>
+          <p:spPr bwMode="auto">
+            <a:xfrm>
+              <a:off x="357158" y="3214692"/>
+              <a:ext cx="2643206" cy="984594"/>
+            </a:xfrm>
+            <a:prstGeom prst="rect">
+              <a:avLst/>
+            </a:prstGeom>
+            <a:noFill/>
+          </p:spPr>
+        </p:pic>
+        <p:pic>
+          <p:nvPicPr>
+            <p:cNvPr id="1035" name="Picture 11" descr="RÃ©sultat de recherche d'images pour &quot;electrum bitcoin wallet&quot;"/>
+            <p:cNvPicPr>
+              <a:picLocks noChangeAspect="1" noChangeArrowheads="1"/>
+            </p:cNvPicPr>
+            <p:nvPr/>
+          </p:nvPicPr>
+          <p:blipFill>
+            <a:blip r:embed="rId5"/>
+            <a:srcRect/>
+            <a:stretch>
+              <a:fillRect/>
+            </a:stretch>
+          </p:blipFill>
+          <p:spPr bwMode="auto">
+            <a:xfrm>
+              <a:off x="3929058" y="3143254"/>
+              <a:ext cx="1071570" cy="1071570"/>
+            </a:xfrm>
+            <a:prstGeom prst="rect">
+              <a:avLst/>
+            </a:prstGeom>
+            <a:noFill/>
+          </p:spPr>
+        </p:pic>
+        <p:sp>
+          <p:nvSpPr>
+            <p:cNvPr id="24" name="ZoneTexte 23"/>
+            <p:cNvSpPr txBox="1"/>
+            <p:nvPr/>
+          </p:nvSpPr>
+          <p:spPr>
+            <a:xfrm>
+              <a:off x="3214678" y="3429006"/>
+              <a:ext cx="928694" cy="523220"/>
+            </a:xfrm>
+            <a:prstGeom prst="rect">
+              <a:avLst/>
+            </a:prstGeom>
+            <a:noFill/>
+          </p:spPr>
+          <p:txBody>
+            <a:bodyPr wrap="square" rtlCol="0">
+              <a:spAutoFit/>
+            </a:bodyPr>
+            <a:lstStyle/>
+            <a:p>
+              <a:r>
+                <a:rPr lang="fr-FR" sz="2800" b="1" dirty="0" smtClean="0">
+                  <a:solidFill>
+                    <a:srgbClr val="008000"/>
+                  </a:solidFill>
+                  <a:latin typeface="OCR A Extended" pitchFamily="50" charset="0"/>
+                </a:rPr>
+                <a:t>&gt;&gt;</a:t>
+              </a:r>
+              <a:endParaRPr lang="fr-FR" sz="2000" b="1" dirty="0" smtClean="0">
+                <a:solidFill>
+                  <a:srgbClr val="008000"/>
+                </a:solidFill>
+                <a:latin typeface="OCR A Extended" pitchFamily="50" charset="0"/>
+              </a:endParaRPr>
+            </a:p>
+          </p:txBody>
+        </p:sp>
+        <p:sp>
+          <p:nvSpPr>
+            <p:cNvPr id="25" name="ZoneTexte 24"/>
+            <p:cNvSpPr txBox="1"/>
+            <p:nvPr/>
+          </p:nvSpPr>
+          <p:spPr>
+            <a:xfrm>
+              <a:off x="3867144" y="4192799"/>
+              <a:ext cx="1204922" cy="307777"/>
+            </a:xfrm>
+            <a:prstGeom prst="rect">
+              <a:avLst/>
+            </a:prstGeom>
+            <a:noFill/>
+          </p:spPr>
+          <p:txBody>
+            <a:bodyPr wrap="square" rtlCol="0">
+              <a:spAutoFit/>
+            </a:bodyPr>
+            <a:lstStyle/>
+            <a:p>
+              <a:pPr algn="ctr"/>
+              <a:r>
+                <a:rPr lang="fr-FR" sz="1400" b="1" dirty="0" smtClean="0">
+                  <a:solidFill>
+                    <a:schemeClr val="tx2"/>
+                  </a:solidFill>
+                  <a:latin typeface="OCR A Extended" pitchFamily="50" charset="0"/>
+                </a:rPr>
+                <a:t>ELECTRUM </a:t>
+              </a:r>
+            </a:p>
+          </p:txBody>
+        </p:sp>
+      </p:grpSp>
+    </p:spTree>
+  </p:cSld>
+  <p:clrMapOvr>
+    <a:masterClrMapping/>
+  </p:clrMapOvr>
+</p:sld>
+</file>
+
+<file path=ppt/slides/slide14.xml><?xml version="1.0" encoding="utf-8"?>
+<p:sld xmlns:a="http://schemas.openxmlformats.org/drawingml/2006/main" xmlns:r="http://schemas.openxmlformats.org/officeDocument/2006/relationships" xmlns:p="http://schemas.openxmlformats.org/presentationml/2006/main">
+  <p:cSld>
+    <p:spTree>
+      <p:nvGrpSpPr>
+        <p:cNvPr id="1" name=""/>
+        <p:cNvGrpSpPr/>
+        <p:nvPr/>
+      </p:nvGrpSpPr>
+      <p:grpSpPr>
+        <a:xfrm>
+          <a:off x="0" y="0"/>
+          <a:ext cx="0" cy="0"/>
+          <a:chOff x="0" y="0"/>
+          <a:chExt cx="0" cy="0"/>
+        </a:xfrm>
+      </p:grpSpPr>
+      <p:pic>
+        <p:nvPicPr>
+          <p:cNvPr id="2" name="Picture 5" descr="RÃ©sultat de recherche d'images pour &quot;tor logo&quot;"/>
+          <p:cNvPicPr>
+            <a:picLocks noChangeAspect="1" noChangeArrowheads="1"/>
+          </p:cNvPicPr>
+          <p:nvPr/>
+        </p:nvPicPr>
+        <p:blipFill>
+          <a:blip r:embed="rId2">
+            <a:duotone>
+              <a:prstClr val="black"/>
+              <a:srgbClr val="14D000">
+                <a:tint val="45000"/>
+                <a:satMod val="400000"/>
+              </a:srgbClr>
+            </a:duotone>
+            <a:lum bright="-55000" contrast="10000"/>
+          </a:blip>
+          <a:srcRect/>
+          <a:stretch>
+            <a:fillRect/>
+          </a:stretch>
+        </p:blipFill>
+        <p:spPr bwMode="auto">
+          <a:xfrm>
+            <a:off x="3214678" y="500048"/>
+            <a:ext cx="2793537" cy="4442500"/>
+          </a:xfrm>
+          <a:prstGeom prst="rect">
+            <a:avLst/>
+          </a:prstGeom>
+          <a:noFill/>
+          <a:effectLst/>
+        </p:spPr>
+      </p:pic>
+      <p:sp>
+        <p:nvSpPr>
+          <p:cNvPr id="3" name="ZoneTexte 2"/>
+          <p:cNvSpPr txBox="1"/>
+          <p:nvPr/>
+        </p:nvSpPr>
+        <p:spPr>
+          <a:xfrm>
+            <a:off x="285720" y="2714626"/>
+            <a:ext cx="3286148" cy="553998"/>
+          </a:xfrm>
+          <a:prstGeom prst="rect">
+            <a:avLst/>
+          </a:prstGeom>
+          <a:noFill/>
+        </p:spPr>
+        <p:txBody>
+          <a:bodyPr wrap="square" rtlCol="0">
+            <a:spAutoFit/>
+          </a:bodyPr>
+          <a:lstStyle/>
+          <a:p>
+            <a:r>
+              <a:rPr lang="fr-FR" sz="1600" b="1" dirty="0" smtClean="0">
+                <a:solidFill>
+                  <a:srgbClr val="008000"/>
+                </a:solidFill>
+                <a:latin typeface="OCR A Extended" pitchFamily="50" charset="0"/>
+              </a:rPr>
+              <a:t>&gt;&gt; MERCI DE VOTRE ECOUTE</a:t>
+            </a:r>
+          </a:p>
+          <a:p>
+            <a:endParaRPr lang="fr-FR" sz="1400" dirty="0" smtClean="0">
+              <a:solidFill>
+                <a:srgbClr val="008000"/>
+              </a:solidFill>
               <a:latin typeface="OCR A Extended" pitchFamily="50" charset="0"/>
             </a:endParaRPr>
           </a:p>
@@ -6300,8 +6987,10 @@
                 </a:solidFill>
                 <a:latin typeface="OCR A Extended" pitchFamily="50" charset="0"/>
               </a:rPr>
-              <a:t> </a:t>
-            </a:r>
+              <a:t> &gt;&gt; Tor transmet de manière anonyme des flux TCP grâce à une cryptologie hybride.</a:t>
+            </a:r>
+          </a:p>
+          <a:p>
             <a:r>
               <a:rPr lang="fr-FR" sz="1200" dirty="0" smtClean="0">
                 <a:solidFill>
@@ -6309,7 +6998,7 @@
                 </a:solidFill>
                 <a:latin typeface="OCR A Extended" pitchFamily="50" charset="0"/>
               </a:rPr>
-              <a:t>&gt;&gt; Tor transmet de manière anonyme des flux TCP grâce à une cryptologie hybride.</a:t>
+              <a:t> &gt;&gt; Associe la cryptographie asymétrique à la cryptographie symétrique	</a:t>
             </a:r>
           </a:p>
           <a:p>
@@ -6320,8 +7009,10 @@
                 </a:solidFill>
                 <a:latin typeface="OCR A Extended" pitchFamily="50" charset="0"/>
               </a:rPr>
-              <a:t> &gt;&gt; Associe </a:t>
-            </a:r>
+              <a:t>    → On chiffre le message avec une clé aléatoire par chiffrement symétrique</a:t>
+            </a:r>
+          </a:p>
+          <a:p>
             <a:r>
               <a:rPr lang="fr-FR" sz="1200" dirty="0" smtClean="0">
                 <a:solidFill>
@@ -6329,75 +7020,10 @@
                 </a:solidFill>
                 <a:latin typeface="OCR A Extended" pitchFamily="50" charset="0"/>
               </a:rPr>
-              <a:t>la cryptographie asymétrique à la cryptographie </a:t>
-            </a:r>
-            <a:r>
-              <a:rPr lang="fr-FR" sz="1200" dirty="0" smtClean="0">
-                <a:solidFill>
-                  <a:srgbClr val="008000"/>
-                </a:solidFill>
-                <a:latin typeface="OCR A Extended" pitchFamily="50" charset="0"/>
-              </a:rPr>
-              <a:t>symétrique</a:t>
-            </a:r>
-            <a:r>
-              <a:rPr lang="fr-FR" sz="1200" dirty="0" smtClean="0">
-                <a:solidFill>
-                  <a:srgbClr val="008000"/>
-                </a:solidFill>
-                <a:latin typeface="OCR A Extended" pitchFamily="50" charset="0"/>
-              </a:rPr>
-              <a:t>	</a:t>
-            </a:r>
-          </a:p>
-          <a:p>
-            <a:r>
-              <a:rPr lang="fr-FR" sz="1200" dirty="0" smtClean="0">
-                <a:solidFill>
-                  <a:srgbClr val="008000"/>
-                </a:solidFill>
-                <a:latin typeface="OCR A Extended" pitchFamily="50" charset="0"/>
-              </a:rPr>
-              <a:t>    → </a:t>
-            </a:r>
-            <a:r>
-              <a:rPr lang="fr-FR" sz="1200" dirty="0" smtClean="0">
-                <a:solidFill>
-                  <a:srgbClr val="008000"/>
-                </a:solidFill>
-                <a:latin typeface="OCR A Extended" pitchFamily="50" charset="0"/>
-              </a:rPr>
-              <a:t>On chiffre le message avec une clé aléatoire par chiffrement symétrique</a:t>
-            </a:r>
-          </a:p>
-          <a:p>
-            <a:r>
-              <a:rPr lang="fr-FR" sz="1200" dirty="0" smtClean="0">
-                <a:solidFill>
-                  <a:srgbClr val="008000"/>
-                </a:solidFill>
-                <a:latin typeface="OCR A Extended" pitchFamily="50" charset="0"/>
-              </a:rPr>
-              <a:t>    → </a:t>
-            </a:r>
-            <a:r>
-              <a:rPr lang="fr-FR" sz="1200" dirty="0" smtClean="0">
-                <a:solidFill>
-                  <a:srgbClr val="008000"/>
-                </a:solidFill>
-                <a:latin typeface="OCR A Extended" pitchFamily="50" charset="0"/>
-              </a:rPr>
-              <a:t>on effectue un chiffrement asymétrique sur la clé aléatoire avec clé publique / clé </a:t>
-            </a:r>
-            <a:r>
-              <a:rPr lang="fr-FR" sz="1200" dirty="0" smtClean="0">
-                <a:solidFill>
-                  <a:srgbClr val="008000"/>
-                </a:solidFill>
-                <a:latin typeface="OCR A Extended" pitchFamily="50" charset="0"/>
-              </a:rPr>
-              <a:t>privée</a:t>
-            </a:r>
+              <a:t>    → on effectue un chiffrement asymétrique sur la clé aléatoire avec clé publique / clé privée</a:t>
+            </a:r>
+          </a:p>
+          <a:p>
             <a:endParaRPr lang="fr-FR" sz="1200" dirty="0" smtClean="0">
               <a:solidFill>
                 <a:srgbClr val="008000"/>
@@ -6406,14 +7032,6 @@
             </a:endParaRPr>
           </a:p>
           <a:p>
-            <a:endParaRPr lang="fr-FR" sz="1200" dirty="0" smtClean="0">
-              <a:solidFill>
-                <a:srgbClr val="008000"/>
-              </a:solidFill>
-              <a:latin typeface="OCR A Extended" pitchFamily="50" charset="0"/>
-            </a:endParaRPr>
-          </a:p>
-          <a:p>
             <a:r>
               <a:rPr lang="fr-FR" sz="1200" b="1" i="1" dirty="0" smtClean="0">
                 <a:solidFill>
@@ -6421,16 +7039,7 @@
                 </a:solidFill>
                 <a:latin typeface="OCR A Extended" pitchFamily="50" charset="0"/>
               </a:rPr>
-              <a:t>Chaque nœud du circuit dispose d'une clef secrète qui lui est propre et ne connaît que son prédécesseur et son </a:t>
-            </a:r>
-            <a:r>
-              <a:rPr lang="fr-FR" sz="1200" b="1" i="1" dirty="0" smtClean="0">
-                <a:solidFill>
-                  <a:srgbClr val="008000"/>
-                </a:solidFill>
-                <a:latin typeface="OCR A Extended" pitchFamily="50" charset="0"/>
-              </a:rPr>
-              <a:t>successeur au sein du circuit.  </a:t>
+              <a:t>Chaque nœud du circuit dispose d'une clef secrète qui lui est propre et ne connaît que son prédécesseur et son successeur au sein du circuit.  </a:t>
             </a:r>
           </a:p>
           <a:p>
